--- a/docs/slides/14-nPrint.pptx
+++ b/docs/slides/14-nPrint.pptx
@@ -5,7 +5,7 @@
     <p:sldMasterId id="2147483648" r:id="rId1"/>
   </p:sldMasterIdLst>
   <p:notesMasterIdLst>
-    <p:notesMasterId r:id="rId44"/>
+    <p:notesMasterId r:id="rId45"/>
   </p:notesMasterIdLst>
   <p:sldIdLst>
     <p:sldId id="453" r:id="rId2"/>
@@ -25,31 +25,32 @@
     <p:sldId id="299" r:id="rId16"/>
     <p:sldId id="300" r:id="rId17"/>
     <p:sldId id="301" r:id="rId18"/>
-    <p:sldId id="259" r:id="rId19"/>
-    <p:sldId id="265" r:id="rId20"/>
-    <p:sldId id="266" r:id="rId21"/>
-    <p:sldId id="269" r:id="rId22"/>
-    <p:sldId id="270" r:id="rId23"/>
-    <p:sldId id="271" r:id="rId24"/>
-    <p:sldId id="272" r:id="rId25"/>
-    <p:sldId id="274" r:id="rId26"/>
-    <p:sldId id="275" r:id="rId27"/>
-    <p:sldId id="276" r:id="rId28"/>
-    <p:sldId id="277" r:id="rId29"/>
-    <p:sldId id="278" r:id="rId30"/>
-    <p:sldId id="279" r:id="rId31"/>
-    <p:sldId id="280" r:id="rId32"/>
-    <p:sldId id="281" r:id="rId33"/>
-    <p:sldId id="282" r:id="rId34"/>
-    <p:sldId id="283" r:id="rId35"/>
-    <p:sldId id="284" r:id="rId36"/>
-    <p:sldId id="285" r:id="rId37"/>
-    <p:sldId id="286" r:id="rId38"/>
-    <p:sldId id="287" r:id="rId39"/>
-    <p:sldId id="288" r:id="rId40"/>
-    <p:sldId id="289" r:id="rId41"/>
-    <p:sldId id="290" r:id="rId42"/>
-    <p:sldId id="291" r:id="rId43"/>
+    <p:sldId id="455" r:id="rId19"/>
+    <p:sldId id="259" r:id="rId20"/>
+    <p:sldId id="265" r:id="rId21"/>
+    <p:sldId id="266" r:id="rId22"/>
+    <p:sldId id="269" r:id="rId23"/>
+    <p:sldId id="270" r:id="rId24"/>
+    <p:sldId id="271" r:id="rId25"/>
+    <p:sldId id="272" r:id="rId26"/>
+    <p:sldId id="274" r:id="rId27"/>
+    <p:sldId id="275" r:id="rId28"/>
+    <p:sldId id="276" r:id="rId29"/>
+    <p:sldId id="277" r:id="rId30"/>
+    <p:sldId id="278" r:id="rId31"/>
+    <p:sldId id="279" r:id="rId32"/>
+    <p:sldId id="280" r:id="rId33"/>
+    <p:sldId id="281" r:id="rId34"/>
+    <p:sldId id="282" r:id="rId35"/>
+    <p:sldId id="283" r:id="rId36"/>
+    <p:sldId id="284" r:id="rId37"/>
+    <p:sldId id="285" r:id="rId38"/>
+    <p:sldId id="286" r:id="rId39"/>
+    <p:sldId id="287" r:id="rId40"/>
+    <p:sldId id="288" r:id="rId41"/>
+    <p:sldId id="289" r:id="rId42"/>
+    <p:sldId id="290" r:id="rId43"/>
+    <p:sldId id="291" r:id="rId44"/>
   </p:sldIdLst>
   <p:sldSz cx="12192000" cy="6858000"/>
   <p:notesSz cx="6858000" cy="9144000"/>
@@ -238,7 +239,7 @@
           <a:p>
             <a:fld id="{71083F6B-6C97-DD44-B778-B7200B9B0205}" type="datetimeFigureOut">
               <a:rPr lang="en-US" smtClean="0"/>
-              <a:t>12/2/24</a:t>
+              <a:t>11/14/25</a:t>
             </a:fld>
             <a:endParaRPr lang="en-US"/>
           </a:p>
@@ -4451,7 +4452,7 @@
           <a:p>
             <a:fld id="{8D4C0E33-DBD2-5D49-9F86-0B4793E92510}" type="datetimeFigureOut">
               <a:rPr lang="en-US" smtClean="0"/>
-              <a:t>12/2/24</a:t>
+              <a:t>11/14/25</a:t>
             </a:fld>
             <a:endParaRPr lang="en-US"/>
           </a:p>
@@ -4649,7 +4650,7 @@
           <a:p>
             <a:fld id="{8D4C0E33-DBD2-5D49-9F86-0B4793E92510}" type="datetimeFigureOut">
               <a:rPr lang="en-US" smtClean="0"/>
-              <a:t>12/2/24</a:t>
+              <a:t>11/14/25</a:t>
             </a:fld>
             <a:endParaRPr lang="en-US"/>
           </a:p>
@@ -4857,7 +4858,7 @@
           <a:p>
             <a:fld id="{8D4C0E33-DBD2-5D49-9F86-0B4793E92510}" type="datetimeFigureOut">
               <a:rPr lang="en-US" smtClean="0"/>
-              <a:t>12/2/24</a:t>
+              <a:t>11/14/25</a:t>
             </a:fld>
             <a:endParaRPr lang="en-US"/>
           </a:p>
@@ -5496,7 +5497,7 @@
           <a:p>
             <a:fld id="{8D4C0E33-DBD2-5D49-9F86-0B4793E92510}" type="datetimeFigureOut">
               <a:rPr lang="en-US" smtClean="0"/>
-              <a:t>12/2/24</a:t>
+              <a:t>11/14/25</a:t>
             </a:fld>
             <a:endParaRPr lang="en-US"/>
           </a:p>
@@ -5771,7 +5772,7 @@
           <a:p>
             <a:fld id="{8D4C0E33-DBD2-5D49-9F86-0B4793E92510}" type="datetimeFigureOut">
               <a:rPr lang="en-US" smtClean="0"/>
-              <a:t>12/2/24</a:t>
+              <a:t>11/14/25</a:t>
             </a:fld>
             <a:endParaRPr lang="en-US"/>
           </a:p>
@@ -6036,7 +6037,7 @@
           <a:p>
             <a:fld id="{8D4C0E33-DBD2-5D49-9F86-0B4793E92510}" type="datetimeFigureOut">
               <a:rPr lang="en-US" smtClean="0"/>
-              <a:t>12/2/24</a:t>
+              <a:t>11/14/25</a:t>
             </a:fld>
             <a:endParaRPr lang="en-US"/>
           </a:p>
@@ -6448,7 +6449,7 @@
           <a:p>
             <a:fld id="{8D4C0E33-DBD2-5D49-9F86-0B4793E92510}" type="datetimeFigureOut">
               <a:rPr lang="en-US" smtClean="0"/>
-              <a:t>12/2/24</a:t>
+              <a:t>11/14/25</a:t>
             </a:fld>
             <a:endParaRPr lang="en-US"/>
           </a:p>
@@ -6589,7 +6590,7 @@
           <a:p>
             <a:fld id="{8D4C0E33-DBD2-5D49-9F86-0B4793E92510}" type="datetimeFigureOut">
               <a:rPr lang="en-US" smtClean="0"/>
-              <a:t>12/2/24</a:t>
+              <a:t>11/14/25</a:t>
             </a:fld>
             <a:endParaRPr lang="en-US"/>
           </a:p>
@@ -6702,7 +6703,7 @@
           <a:p>
             <a:fld id="{8D4C0E33-DBD2-5D49-9F86-0B4793E92510}" type="datetimeFigureOut">
               <a:rPr lang="en-US" smtClean="0"/>
-              <a:t>12/2/24</a:t>
+              <a:t>11/14/25</a:t>
             </a:fld>
             <a:endParaRPr lang="en-US"/>
           </a:p>
@@ -7013,7 +7014,7 @@
           <a:p>
             <a:fld id="{8D4C0E33-DBD2-5D49-9F86-0B4793E92510}" type="datetimeFigureOut">
               <a:rPr lang="en-US" smtClean="0"/>
-              <a:t>12/2/24</a:t>
+              <a:t>11/14/25</a:t>
             </a:fld>
             <a:endParaRPr lang="en-US"/>
           </a:p>
@@ -7301,7 +7302,7 @@
           <a:p>
             <a:fld id="{8D4C0E33-DBD2-5D49-9F86-0B4793E92510}" type="datetimeFigureOut">
               <a:rPr lang="en-US" smtClean="0"/>
-              <a:t>12/2/24</a:t>
+              <a:t>11/14/25</a:t>
             </a:fld>
             <a:endParaRPr lang="en-US"/>
           </a:p>
@@ -7542,7 +7543,7 @@
           <a:p>
             <a:fld id="{8D4C0E33-DBD2-5D49-9F86-0B4793E92510}" type="datetimeFigureOut">
               <a:rPr lang="en-US" smtClean="0"/>
-              <a:t>12/2/24</a:t>
+              <a:t>11/14/25</a:t>
             </a:fld>
             <a:endParaRPr lang="en-US"/>
           </a:p>
@@ -8097,7 +8098,7 @@
           </a:prstGeom>
           <a:extLst>
             <a:ext uri="{C572A759-6A51-4108-AA02-DFA0A04FC94B}">
-              <ma14:wrappingTextBoxFlag xmlns="" xmlns:m="http://schemas.openxmlformats.org/officeDocument/2006/math" xmlns:a14="http://schemas.microsoft.com/office/drawing/2010/main" xmlns:ma14="http://schemas.microsoft.com/office/mac/drawingml/2011/main" val="1"/>
+              <ma14:wrappingTextBoxFlag xmlns:ma14="http://schemas.microsoft.com/office/mac/drawingml/2011/main" xmlns:a14="http://schemas.microsoft.com/office/drawing/2010/main" xmlns:m="http://schemas.openxmlformats.org/officeDocument/2006/math" xmlns="" val="1"/>
             </a:ext>
           </a:extLst>
         </p:spPr>
@@ -8159,7 +8160,7 @@
           </a:ln>
           <a:extLst>
             <a:ext uri="{C572A759-6A51-4108-AA02-DFA0A04FC94B}">
-              <ma14:wrappingTextBoxFlag xmlns="" xmlns:m="http://schemas.openxmlformats.org/officeDocument/2006/math" xmlns:a14="http://schemas.microsoft.com/office/drawing/2010/main" xmlns:ma14="http://schemas.microsoft.com/office/mac/drawingml/2011/main" val="1"/>
+              <ma14:wrappingTextBoxFlag xmlns:ma14="http://schemas.microsoft.com/office/mac/drawingml/2011/main" xmlns:a14="http://schemas.microsoft.com/office/drawing/2010/main" xmlns:m="http://schemas.openxmlformats.org/officeDocument/2006/math" xmlns="" val="1"/>
             </a:ext>
           </a:extLst>
         </p:spPr>
@@ -8271,7 +8272,7 @@
           </a:ln>
           <a:extLst>
             <a:ext uri="{C572A759-6A51-4108-AA02-DFA0A04FC94B}">
-              <ma14:wrappingTextBoxFlag xmlns="" xmlns:m="http://schemas.openxmlformats.org/officeDocument/2006/math" xmlns:a14="http://schemas.microsoft.com/office/drawing/2010/main" xmlns:ma14="http://schemas.microsoft.com/office/mac/drawingml/2011/main" val="1"/>
+              <ma14:wrappingTextBoxFlag xmlns:ma14="http://schemas.microsoft.com/office/mac/drawingml/2011/main" xmlns:a14="http://schemas.microsoft.com/office/drawing/2010/main" xmlns:m="http://schemas.openxmlformats.org/officeDocument/2006/math" xmlns="" val="1"/>
             </a:ext>
           </a:extLst>
         </p:spPr>
@@ -8369,7 +8370,7 @@
           </a:prstGeom>
           <a:extLst>
             <a:ext uri="{C572A759-6A51-4108-AA02-DFA0A04FC94B}">
-              <ma14:wrappingTextBoxFlag xmlns="" xmlns:m="http://schemas.openxmlformats.org/officeDocument/2006/math" xmlns:a14="http://schemas.microsoft.com/office/drawing/2010/main" xmlns:ma14="http://schemas.microsoft.com/office/mac/drawingml/2011/main" val="1"/>
+              <ma14:wrappingTextBoxFlag xmlns:ma14="http://schemas.microsoft.com/office/mac/drawingml/2011/main" xmlns:a14="http://schemas.microsoft.com/office/drawing/2010/main" xmlns:m="http://schemas.openxmlformats.org/officeDocument/2006/math" xmlns="" val="1"/>
             </a:ext>
           </a:extLst>
         </p:spPr>
@@ -8507,7 +8508,7 @@
           </a:ln>
           <a:extLst>
             <a:ext uri="{C572A759-6A51-4108-AA02-DFA0A04FC94B}">
-              <ma14:wrappingTextBoxFlag xmlns="" xmlns:m="http://schemas.openxmlformats.org/officeDocument/2006/math" xmlns:a14="http://schemas.microsoft.com/office/drawing/2010/main" xmlns:ma14="http://schemas.microsoft.com/office/mac/drawingml/2011/main" val="1"/>
+              <ma14:wrappingTextBoxFlag xmlns:ma14="http://schemas.microsoft.com/office/mac/drawingml/2011/main" xmlns:a14="http://schemas.microsoft.com/office/drawing/2010/main" xmlns:m="http://schemas.openxmlformats.org/officeDocument/2006/math" xmlns="" val="1"/>
             </a:ext>
           </a:extLst>
         </p:spPr>
@@ -8605,7 +8606,7 @@
           </a:prstGeom>
           <a:extLst>
             <a:ext uri="{C572A759-6A51-4108-AA02-DFA0A04FC94B}">
-              <ma14:wrappingTextBoxFlag xmlns="" xmlns:m="http://schemas.openxmlformats.org/officeDocument/2006/math" xmlns:a14="http://schemas.microsoft.com/office/drawing/2010/main" xmlns:ma14="http://schemas.microsoft.com/office/mac/drawingml/2011/main" val="1"/>
+              <ma14:wrappingTextBoxFlag xmlns:ma14="http://schemas.microsoft.com/office/mac/drawingml/2011/main" xmlns:a14="http://schemas.microsoft.com/office/drawing/2010/main" xmlns:m="http://schemas.openxmlformats.org/officeDocument/2006/math" xmlns="" val="1"/>
             </a:ext>
           </a:extLst>
         </p:spPr>
@@ -8742,7 +8743,7 @@
           </a:ln>
           <a:extLst>
             <a:ext uri="{C572A759-6A51-4108-AA02-DFA0A04FC94B}">
-              <ma14:wrappingTextBoxFlag xmlns="" xmlns:m="http://schemas.openxmlformats.org/officeDocument/2006/math" xmlns:a14="http://schemas.microsoft.com/office/drawing/2010/main" xmlns:ma14="http://schemas.microsoft.com/office/mac/drawingml/2011/main" val="1"/>
+              <ma14:wrappingTextBoxFlag xmlns:ma14="http://schemas.microsoft.com/office/mac/drawingml/2011/main" xmlns:a14="http://schemas.microsoft.com/office/drawing/2010/main" xmlns:m="http://schemas.openxmlformats.org/officeDocument/2006/math" xmlns="" val="1"/>
             </a:ext>
           </a:extLst>
         </p:spPr>
@@ -8844,7 +8845,7 @@
           </a:prstGeom>
           <a:extLst>
             <a:ext uri="{C572A759-6A51-4108-AA02-DFA0A04FC94B}">
-              <ma14:wrappingTextBoxFlag xmlns="" xmlns:m="http://schemas.openxmlformats.org/officeDocument/2006/math" xmlns:a14="http://schemas.microsoft.com/office/drawing/2010/main" xmlns:ma14="http://schemas.microsoft.com/office/mac/drawingml/2011/main" val="1"/>
+              <ma14:wrappingTextBoxFlag xmlns:ma14="http://schemas.microsoft.com/office/mac/drawingml/2011/main" xmlns:a14="http://schemas.microsoft.com/office/drawing/2010/main" xmlns:m="http://schemas.openxmlformats.org/officeDocument/2006/math" xmlns="" val="1"/>
             </a:ext>
           </a:extLst>
         </p:spPr>
@@ -8906,7 +8907,7 @@
           </a:ln>
           <a:extLst>
             <a:ext uri="{C572A759-6A51-4108-AA02-DFA0A04FC94B}">
-              <ma14:wrappingTextBoxFlag xmlns="" xmlns:m="http://schemas.openxmlformats.org/officeDocument/2006/math" xmlns:a14="http://schemas.microsoft.com/office/drawing/2010/main" xmlns:ma14="http://schemas.microsoft.com/office/mac/drawingml/2011/main" val="1"/>
+              <ma14:wrappingTextBoxFlag xmlns:ma14="http://schemas.microsoft.com/office/mac/drawingml/2011/main" xmlns:a14="http://schemas.microsoft.com/office/drawing/2010/main" xmlns:m="http://schemas.openxmlformats.org/officeDocument/2006/math" xmlns="" val="1"/>
             </a:ext>
           </a:extLst>
         </p:spPr>
@@ -8996,7 +8997,7 @@
           </a:prstGeom>
           <a:extLst>
             <a:ext uri="{C572A759-6A51-4108-AA02-DFA0A04FC94B}">
-              <ma14:wrappingTextBoxFlag xmlns="" xmlns:m="http://schemas.openxmlformats.org/officeDocument/2006/math" xmlns:a14="http://schemas.microsoft.com/office/drawing/2010/main" xmlns:ma14="http://schemas.microsoft.com/office/mac/drawingml/2011/main" val="1"/>
+              <ma14:wrappingTextBoxFlag xmlns:ma14="http://schemas.microsoft.com/office/mac/drawingml/2011/main" xmlns:a14="http://schemas.microsoft.com/office/drawing/2010/main" xmlns:m="http://schemas.openxmlformats.org/officeDocument/2006/math" xmlns="" val="1"/>
             </a:ext>
           </a:extLst>
         </p:spPr>
@@ -9058,7 +9059,7 @@
           </a:ln>
           <a:extLst>
             <a:ext uri="{C572A759-6A51-4108-AA02-DFA0A04FC94B}">
-              <ma14:wrappingTextBoxFlag xmlns="" xmlns:m="http://schemas.openxmlformats.org/officeDocument/2006/math" xmlns:a14="http://schemas.microsoft.com/office/drawing/2010/main" xmlns:ma14="http://schemas.microsoft.com/office/mac/drawingml/2011/main" val="1"/>
+              <ma14:wrappingTextBoxFlag xmlns:ma14="http://schemas.microsoft.com/office/mac/drawingml/2011/main" xmlns:a14="http://schemas.microsoft.com/office/drawing/2010/main" xmlns:m="http://schemas.openxmlformats.org/officeDocument/2006/math" xmlns="" val="1"/>
             </a:ext>
           </a:extLst>
         </p:spPr>
@@ -9224,7 +9225,7 @@
           </a:prstGeom>
           <a:extLst>
             <a:ext uri="{C572A759-6A51-4108-AA02-DFA0A04FC94B}">
-              <ma14:wrappingTextBoxFlag xmlns="" xmlns:m="http://schemas.openxmlformats.org/officeDocument/2006/math" xmlns:a14="http://schemas.microsoft.com/office/drawing/2010/main" xmlns:ma14="http://schemas.microsoft.com/office/mac/drawingml/2011/main" val="1"/>
+              <ma14:wrappingTextBoxFlag xmlns:ma14="http://schemas.microsoft.com/office/mac/drawingml/2011/main" xmlns:a14="http://schemas.microsoft.com/office/drawing/2010/main" xmlns:m="http://schemas.openxmlformats.org/officeDocument/2006/math" xmlns="" val="1"/>
             </a:ext>
           </a:extLst>
         </p:spPr>
@@ -9285,7 +9286,7 @@
           </a:ln>
           <a:extLst>
             <a:ext uri="{C572A759-6A51-4108-AA02-DFA0A04FC94B}">
-              <ma14:wrappingTextBoxFlag xmlns="" xmlns:m="http://schemas.openxmlformats.org/officeDocument/2006/math" xmlns:a14="http://schemas.microsoft.com/office/drawing/2010/main" xmlns:ma14="http://schemas.microsoft.com/office/mac/drawingml/2011/main" val="1"/>
+              <ma14:wrappingTextBoxFlag xmlns:ma14="http://schemas.microsoft.com/office/mac/drawingml/2011/main" xmlns:a14="http://schemas.microsoft.com/office/drawing/2010/main" xmlns:m="http://schemas.openxmlformats.org/officeDocument/2006/math" xmlns="" val="1"/>
             </a:ext>
           </a:extLst>
         </p:spPr>
@@ -9413,7 +9414,7 @@
           </a:prstGeom>
           <a:extLst>
             <a:ext uri="{C572A759-6A51-4108-AA02-DFA0A04FC94B}">
-              <ma14:wrappingTextBoxFlag xmlns="" xmlns:m="http://schemas.openxmlformats.org/officeDocument/2006/math" xmlns:a14="http://schemas.microsoft.com/office/drawing/2010/main" xmlns:ma14="http://schemas.microsoft.com/office/mac/drawingml/2011/main" val="1"/>
+              <ma14:wrappingTextBoxFlag xmlns:ma14="http://schemas.microsoft.com/office/mac/drawingml/2011/main" xmlns:a14="http://schemas.microsoft.com/office/drawing/2010/main" xmlns:m="http://schemas.openxmlformats.org/officeDocument/2006/math" xmlns="" val="1"/>
             </a:ext>
           </a:extLst>
         </p:spPr>
@@ -9474,7 +9475,7 @@
           </a:ln>
           <a:extLst>
             <a:ext uri="{C572A759-6A51-4108-AA02-DFA0A04FC94B}">
-              <ma14:wrappingTextBoxFlag xmlns="" xmlns:m="http://schemas.openxmlformats.org/officeDocument/2006/math" xmlns:a14="http://schemas.microsoft.com/office/drawing/2010/main" xmlns:ma14="http://schemas.microsoft.com/office/mac/drawingml/2011/main" val="1"/>
+              <ma14:wrappingTextBoxFlag xmlns:ma14="http://schemas.microsoft.com/office/mac/drawingml/2011/main" xmlns:a14="http://schemas.microsoft.com/office/drawing/2010/main" xmlns:m="http://schemas.openxmlformats.org/officeDocument/2006/math" xmlns="" val="1"/>
             </a:ext>
           </a:extLst>
         </p:spPr>
@@ -9602,7 +9603,7 @@
           </a:prstGeom>
           <a:extLst>
             <a:ext uri="{C572A759-6A51-4108-AA02-DFA0A04FC94B}">
-              <ma14:wrappingTextBoxFlag xmlns="" xmlns:m="http://schemas.openxmlformats.org/officeDocument/2006/math" xmlns:a14="http://schemas.microsoft.com/office/drawing/2010/main" xmlns:ma14="http://schemas.microsoft.com/office/mac/drawingml/2011/main" val="1"/>
+              <ma14:wrappingTextBoxFlag xmlns:ma14="http://schemas.microsoft.com/office/mac/drawingml/2011/main" xmlns:a14="http://schemas.microsoft.com/office/drawing/2010/main" xmlns:m="http://schemas.openxmlformats.org/officeDocument/2006/math" xmlns="" val="1"/>
             </a:ext>
           </a:extLst>
         </p:spPr>
@@ -9664,7 +9665,7 @@
           </a:ln>
           <a:extLst>
             <a:ext uri="{C572A759-6A51-4108-AA02-DFA0A04FC94B}">
-              <ma14:wrappingTextBoxFlag xmlns="" xmlns:m="http://schemas.openxmlformats.org/officeDocument/2006/math" xmlns:a14="http://schemas.microsoft.com/office/drawing/2010/main" xmlns:ma14="http://schemas.microsoft.com/office/mac/drawingml/2011/main" val="1"/>
+              <ma14:wrappingTextBoxFlag xmlns:ma14="http://schemas.microsoft.com/office/mac/drawingml/2011/main" xmlns:a14="http://schemas.microsoft.com/office/drawing/2010/main" xmlns:m="http://schemas.openxmlformats.org/officeDocument/2006/math" xmlns="" val="1"/>
             </a:ext>
           </a:extLst>
         </p:spPr>
@@ -9733,6 +9734,62 @@
 </file>
 
 <file path=ppt/slides/slide18.xml><?xml version="1.0" encoding="utf-8"?>
+<p:sld xmlns:a="http://schemas.openxmlformats.org/drawingml/2006/main" xmlns:r="http://schemas.openxmlformats.org/officeDocument/2006/relationships" xmlns:p="http://schemas.openxmlformats.org/presentationml/2006/main">
+  <p:cSld>
+    <p:spTree>
+      <p:nvGrpSpPr>
+        <p:cNvPr id="1" name=""/>
+        <p:cNvGrpSpPr/>
+        <p:nvPr/>
+      </p:nvGrpSpPr>
+      <p:grpSpPr>
+        <a:xfrm>
+          <a:off x="0" y="0"/>
+          <a:ext cx="0" cy="0"/>
+          <a:chOff x="0" y="0"/>
+          <a:chExt cx="0" cy="0"/>
+        </a:xfrm>
+      </p:grpSpPr>
+      <p:sp>
+        <p:nvSpPr>
+          <p:cNvPr id="2" name="Title 1">
+            <a:extLst>
+              <a:ext uri="{FF2B5EF4-FFF2-40B4-BE49-F238E27FC236}">
+                <a16:creationId xmlns:a16="http://schemas.microsoft.com/office/drawing/2014/main" id="{A4FB214E-7A6E-E93B-D6A5-36F496E24CCB}"/>
+              </a:ext>
+            </a:extLst>
+          </p:cNvPr>
+          <p:cNvSpPr>
+            <a:spLocks noGrp="1"/>
+          </p:cNvSpPr>
+          <p:nvPr>
+            <p:ph type="title"/>
+          </p:nvPr>
+        </p:nvSpPr>
+        <p:spPr/>
+        <p:txBody>
+          <a:bodyPr/>
+          <a:lstStyle/>
+          <a:p>
+            <a:endParaRPr lang="en-US"/>
+          </a:p>
+        </p:txBody>
+      </p:sp>
+    </p:spTree>
+    <p:extLst>
+      <p:ext uri="{BB962C8B-B14F-4D97-AF65-F5344CB8AC3E}">
+        <p14:creationId xmlns:p14="http://schemas.microsoft.com/office/powerpoint/2010/main" val="2835903015"/>
+      </p:ext>
+    </p:extLst>
+  </p:cSld>
+  <p:clrMapOvr>
+    <a:masterClrMapping/>
+  </p:clrMapOvr>
+  <p:transition spd="med"/>
+</p:sld>
+</file>
+
+<file path=ppt/slides/slide19.xml><?xml version="1.0" encoding="utf-8"?>
 <p:sld xmlns:a="http://schemas.openxmlformats.org/drawingml/2006/main" xmlns:r="http://schemas.openxmlformats.org/officeDocument/2006/relationships" xmlns:p="http://schemas.openxmlformats.org/presentationml/2006/main">
   <p:cSld>
     <p:spTree>
@@ -10042,634 +10099,6 @@
       <p:sp>
         <p:nvSpPr>
           <p:cNvPr id="92" name="Google Shape;92;p16"/>
-          <p:cNvSpPr txBox="1">
-            <a:spLocks noGrp="1"/>
-          </p:cNvSpPr>
-          <p:nvPr>
-            <p:ph type="sldNum" idx="12"/>
-          </p:nvPr>
-        </p:nvSpPr>
-        <p:spPr>
-          <a:xfrm>
-            <a:off x="11296611" y="6217623"/>
-            <a:ext cx="731600" cy="524800"/>
-          </a:xfrm>
-          <a:prstGeom prst="rect">
-            <a:avLst/>
-          </a:prstGeom>
-        </p:spPr>
-        <p:txBody>
-          <a:bodyPr spcFirstLastPara="1" vert="horz" wrap="square" lIns="121900" tIns="121900" rIns="121900" bIns="121900" rtlCol="0" anchor="ctr" anchorCtr="0">
-            <a:normAutofit/>
-          </a:bodyPr>
-          <a:lstStyle/>
-          <a:p>
-            <a:fld id="{00000000-1234-1234-1234-123412341234}" type="slidenum">
-              <a:rPr lang="en"/>
-              <a:pPr/>
-              <a:t>18</a:t>
-            </a:fld>
-            <a:endParaRPr/>
-          </a:p>
-        </p:txBody>
-      </p:sp>
-    </p:spTree>
-  </p:cSld>
-  <p:clrMapOvr>
-    <a:masterClrMapping/>
-  </p:clrMapOvr>
-</p:sld>
-</file>
-
-<file path=ppt/slides/slide19.xml><?xml version="1.0" encoding="utf-8"?>
-<p:sld xmlns:a="http://schemas.openxmlformats.org/drawingml/2006/main" xmlns:r="http://schemas.openxmlformats.org/officeDocument/2006/relationships" xmlns:p="http://schemas.openxmlformats.org/presentationml/2006/main">
-  <p:cSld>
-    <p:spTree>
-      <p:nvGrpSpPr>
-        <p:cNvPr id="1" name="Shape 166"/>
-        <p:cNvGrpSpPr/>
-        <p:nvPr/>
-      </p:nvGrpSpPr>
-      <p:grpSpPr>
-        <a:xfrm>
-          <a:off x="0" y="0"/>
-          <a:ext cx="0" cy="0"/>
-          <a:chOff x="0" y="0"/>
-          <a:chExt cx="0" cy="0"/>
-        </a:xfrm>
-      </p:grpSpPr>
-      <p:sp>
-        <p:nvSpPr>
-          <p:cNvPr id="167" name="Google Shape;167;p22"/>
-          <p:cNvSpPr txBox="1">
-            <a:spLocks noGrp="1"/>
-          </p:cNvSpPr>
-          <p:nvPr>
-            <p:ph type="title"/>
-          </p:nvPr>
-        </p:nvSpPr>
-        <p:spPr>
-          <a:xfrm>
-            <a:off x="415600" y="593367"/>
-            <a:ext cx="11360800" cy="763600"/>
-          </a:xfrm>
-          <a:prstGeom prst="rect">
-            <a:avLst/>
-          </a:prstGeom>
-        </p:spPr>
-        <p:txBody>
-          <a:bodyPr spcFirstLastPara="1" vert="horz" wrap="square" lIns="121900" tIns="121900" rIns="121900" bIns="121900" rtlCol="0" anchor="t" anchorCtr="0">
-            <a:normAutofit fontScale="90000"/>
-          </a:bodyPr>
-          <a:lstStyle/>
-          <a:p>
-            <a:r>
-              <a:rPr lang="en"/>
-              <a:t>ML in Networking</a:t>
-            </a:r>
-            <a:endParaRPr/>
-          </a:p>
-        </p:txBody>
-      </p:sp>
-      <p:sp>
-        <p:nvSpPr>
-          <p:cNvPr id="168" name="Google Shape;168;p22"/>
-          <p:cNvSpPr txBox="1">
-            <a:spLocks noGrp="1"/>
-          </p:cNvSpPr>
-          <p:nvPr>
-            <p:ph type="body" idx="1"/>
-          </p:nvPr>
-        </p:nvSpPr>
-        <p:spPr>
-          <a:xfrm>
-            <a:off x="6900567" y="2550800"/>
-            <a:ext cx="4875600" cy="3153200"/>
-          </a:xfrm>
-          <a:prstGeom prst="rect">
-            <a:avLst/>
-          </a:prstGeom>
-        </p:spPr>
-        <p:txBody>
-          <a:bodyPr spcFirstLastPara="1" vert="horz" wrap="square" lIns="121900" tIns="121900" rIns="121900" bIns="121900" rtlCol="0" anchor="t" anchorCtr="0">
-            <a:normAutofit fontScale="92500"/>
-          </a:bodyPr>
-          <a:lstStyle/>
-          <a:p>
-            <a:pPr marL="0" indent="0">
-              <a:lnSpc>
-                <a:spcPct val="95000"/>
-              </a:lnSpc>
-              <a:buNone/>
-            </a:pPr>
-            <a:r>
-              <a:rPr lang="en"/>
-              <a:t>Typical problems:</a:t>
-            </a:r>
-            <a:endParaRPr/>
-          </a:p>
-          <a:p>
-            <a:pPr>
-              <a:lnSpc>
-                <a:spcPct val="95000"/>
-              </a:lnSpc>
-              <a:spcBef>
-                <a:spcPts val="1600"/>
-              </a:spcBef>
-              <a:buChar char="-"/>
-            </a:pPr>
-            <a:r>
-              <a:rPr lang="en"/>
-              <a:t>Out of distribution</a:t>
-            </a:r>
-            <a:endParaRPr/>
-          </a:p>
-          <a:p>
-            <a:pPr>
-              <a:lnSpc>
-                <a:spcPct val="95000"/>
-              </a:lnSpc>
-              <a:buChar char="-"/>
-            </a:pPr>
-            <a:r>
-              <a:rPr lang="en"/>
-              <a:t>Lack of generalization</a:t>
-            </a:r>
-            <a:endParaRPr/>
-          </a:p>
-          <a:p>
-            <a:pPr>
-              <a:lnSpc>
-                <a:spcPct val="95000"/>
-              </a:lnSpc>
-              <a:buChar char="-"/>
-            </a:pPr>
-            <a:r>
-              <a:rPr lang="en"/>
-              <a:t>Spurious correlations</a:t>
-            </a:r>
-            <a:endParaRPr/>
-          </a:p>
-          <a:p>
-            <a:pPr>
-              <a:lnSpc>
-                <a:spcPct val="95000"/>
-              </a:lnSpc>
-              <a:buChar char="-"/>
-            </a:pPr>
-            <a:r>
-              <a:rPr lang="en"/>
-              <a:t>Underspecified failure modes</a:t>
-            </a:r>
-            <a:endParaRPr/>
-          </a:p>
-          <a:p>
-            <a:pPr>
-              <a:lnSpc>
-                <a:spcPct val="95000"/>
-              </a:lnSpc>
-              <a:buChar char="-"/>
-            </a:pPr>
-            <a:r>
-              <a:rPr lang="en"/>
-              <a:t>Plain overfitting</a:t>
-            </a:r>
-            <a:endParaRPr/>
-          </a:p>
-          <a:p>
-            <a:pPr>
-              <a:lnSpc>
-                <a:spcPct val="95000"/>
-              </a:lnSpc>
-              <a:buChar char="-"/>
-            </a:pPr>
-            <a:r>
-              <a:rPr lang="en"/>
-              <a:t>…</a:t>
-            </a:r>
-            <a:endParaRPr/>
-          </a:p>
-        </p:txBody>
-      </p:sp>
-      <p:sp>
-        <p:nvSpPr>
-          <p:cNvPr id="169" name="Google Shape;169;p22"/>
-          <p:cNvSpPr/>
-          <p:nvPr/>
-        </p:nvSpPr>
-        <p:spPr>
-          <a:xfrm>
-            <a:off x="3536333" y="3158141"/>
-            <a:ext cx="1677200" cy="987600"/>
-          </a:xfrm>
-          <a:prstGeom prst="rect">
-            <a:avLst/>
-          </a:prstGeom>
-          <a:solidFill>
-            <a:schemeClr val="lt2"/>
-          </a:solidFill>
-          <a:ln w="9525" cap="flat" cmpd="sng">
-            <a:solidFill>
-              <a:schemeClr val="dk2"/>
-            </a:solidFill>
-            <a:prstDash val="solid"/>
-            <a:round/>
-            <a:headEnd type="none" w="sm" len="sm"/>
-            <a:tailEnd type="none" w="sm" len="sm"/>
-          </a:ln>
-        </p:spPr>
-        <p:txBody>
-          <a:bodyPr spcFirstLastPara="1" wrap="square" lIns="121900" tIns="121900" rIns="121900" bIns="121900" anchor="ctr" anchorCtr="0">
-            <a:noAutofit/>
-          </a:bodyPr>
-          <a:lstStyle/>
-          <a:p>
-            <a:pPr algn="ctr"/>
-            <a:r>
-              <a:rPr lang="en" sz="2400"/>
-              <a:t>Train ✅</a:t>
-            </a:r>
-            <a:endParaRPr sz="2400"/>
-          </a:p>
-        </p:txBody>
-      </p:sp>
-      <p:sp>
-        <p:nvSpPr>
-          <p:cNvPr id="170" name="Google Shape;170;p22"/>
-          <p:cNvSpPr txBox="1"/>
-          <p:nvPr/>
-        </p:nvSpPr>
-        <p:spPr>
-          <a:xfrm>
-            <a:off x="3536333" y="2624534"/>
-            <a:ext cx="1677200" cy="615513"/>
-          </a:xfrm>
-          <a:prstGeom prst="rect">
-            <a:avLst/>
-          </a:prstGeom>
-          <a:noFill/>
-          <a:ln>
-            <a:noFill/>
-          </a:ln>
-        </p:spPr>
-        <p:txBody>
-          <a:bodyPr spcFirstLastPara="1" wrap="square" lIns="121900" tIns="121900" rIns="121900" bIns="121900" anchor="t" anchorCtr="0">
-            <a:spAutoFit/>
-          </a:bodyPr>
-          <a:lstStyle/>
-          <a:p>
-            <a:pPr algn="ctr"/>
-            <a:r>
-              <a:rPr lang="en" sz="2400"/>
-              <a:t>Production</a:t>
-            </a:r>
-            <a:endParaRPr sz="2400"/>
-          </a:p>
-        </p:txBody>
-      </p:sp>
-      <p:pic>
-        <p:nvPicPr>
-          <p:cNvPr id="171" name="Google Shape;171;p22"/>
-          <p:cNvPicPr preferRelativeResize="0"/>
-          <p:nvPr/>
-        </p:nvPicPr>
-        <p:blipFill>
-          <a:blip r:embed="rId3">
-            <a:alphaModFix/>
-          </a:blip>
-          <a:stretch>
-            <a:fillRect/>
-          </a:stretch>
-        </p:blipFill>
-        <p:spPr>
-          <a:xfrm>
-            <a:off x="811134" y="3158134"/>
-            <a:ext cx="1038165" cy="1312201"/>
-          </a:xfrm>
-          <a:prstGeom prst="rect">
-            <a:avLst/>
-          </a:prstGeom>
-          <a:noFill/>
-          <a:ln>
-            <a:noFill/>
-          </a:ln>
-        </p:spPr>
-      </p:pic>
-      <p:sp>
-        <p:nvSpPr>
-          <p:cNvPr id="172" name="Google Shape;172;p22"/>
-          <p:cNvSpPr txBox="1"/>
-          <p:nvPr/>
-        </p:nvSpPr>
-        <p:spPr>
-          <a:xfrm>
-            <a:off x="755612" y="2550800"/>
-            <a:ext cx="1149200" cy="615513"/>
-          </a:xfrm>
-          <a:prstGeom prst="rect">
-            <a:avLst/>
-          </a:prstGeom>
-          <a:noFill/>
-          <a:ln>
-            <a:noFill/>
-          </a:ln>
-        </p:spPr>
-        <p:txBody>
-          <a:bodyPr spcFirstLastPara="1" wrap="square" lIns="121900" tIns="121900" rIns="121900" bIns="121900" anchor="t" anchorCtr="0">
-            <a:spAutoFit/>
-          </a:bodyPr>
-          <a:lstStyle/>
-          <a:p>
-            <a:pPr algn="ctr"/>
-            <a:r>
-              <a:rPr lang="en" sz="2400"/>
-              <a:t>Data</a:t>
-            </a:r>
-            <a:endParaRPr sz="2400"/>
-          </a:p>
-        </p:txBody>
-      </p:sp>
-      <p:sp>
-        <p:nvSpPr>
-          <p:cNvPr id="173" name="Google Shape;173;p22"/>
-          <p:cNvSpPr/>
-          <p:nvPr/>
-        </p:nvSpPr>
-        <p:spPr>
-          <a:xfrm>
-            <a:off x="3739533" y="3361341"/>
-            <a:ext cx="1677200" cy="987600"/>
-          </a:xfrm>
-          <a:prstGeom prst="rect">
-            <a:avLst/>
-          </a:prstGeom>
-          <a:solidFill>
-            <a:schemeClr val="lt2"/>
-          </a:solidFill>
-          <a:ln w="9525" cap="flat" cmpd="sng">
-            <a:solidFill>
-              <a:schemeClr val="dk2"/>
-            </a:solidFill>
-            <a:prstDash val="solid"/>
-            <a:round/>
-            <a:headEnd type="none" w="sm" len="sm"/>
-            <a:tailEnd type="none" w="sm" len="sm"/>
-          </a:ln>
-        </p:spPr>
-        <p:txBody>
-          <a:bodyPr spcFirstLastPara="1" wrap="square" lIns="121900" tIns="121900" rIns="121900" bIns="121900" anchor="ctr" anchorCtr="0">
-            <a:noAutofit/>
-          </a:bodyPr>
-          <a:lstStyle/>
-          <a:p>
-            <a:pPr algn="ctr"/>
-            <a:r>
-              <a:rPr lang="en" sz="2400"/>
-              <a:t>Test✅</a:t>
-            </a:r>
-            <a:endParaRPr sz="2400"/>
-          </a:p>
-        </p:txBody>
-      </p:sp>
-      <p:sp>
-        <p:nvSpPr>
-          <p:cNvPr id="174" name="Google Shape;174;p22"/>
-          <p:cNvSpPr/>
-          <p:nvPr/>
-        </p:nvSpPr>
-        <p:spPr>
-          <a:xfrm>
-            <a:off x="3942733" y="3564541"/>
-            <a:ext cx="1677200" cy="987600"/>
-          </a:xfrm>
-          <a:prstGeom prst="rect">
-            <a:avLst/>
-          </a:prstGeom>
-          <a:solidFill>
-            <a:schemeClr val="lt2"/>
-          </a:solidFill>
-          <a:ln w="9525" cap="flat" cmpd="sng">
-            <a:solidFill>
-              <a:schemeClr val="dk2"/>
-            </a:solidFill>
-            <a:prstDash val="solid"/>
-            <a:round/>
-            <a:headEnd type="none" w="sm" len="sm"/>
-            <a:tailEnd type="none" w="sm" len="sm"/>
-          </a:ln>
-        </p:spPr>
-        <p:txBody>
-          <a:bodyPr spcFirstLastPara="1" wrap="square" lIns="121900" tIns="121900" rIns="121900" bIns="121900" anchor="ctr" anchorCtr="0">
-            <a:noAutofit/>
-          </a:bodyPr>
-          <a:lstStyle/>
-          <a:p>
-            <a:pPr algn="ctr"/>
-            <a:r>
-              <a:rPr lang="en" sz="2400"/>
-              <a:t>Deploy❓</a:t>
-            </a:r>
-            <a:endParaRPr sz="2400"/>
-          </a:p>
-        </p:txBody>
-      </p:sp>
-      <p:sp>
-        <p:nvSpPr>
-          <p:cNvPr id="175" name="Google Shape;175;p22"/>
-          <p:cNvSpPr/>
-          <p:nvPr/>
-        </p:nvSpPr>
-        <p:spPr>
-          <a:xfrm>
-            <a:off x="4145933" y="3767741"/>
-            <a:ext cx="1677200" cy="987600"/>
-          </a:xfrm>
-          <a:prstGeom prst="rect">
-            <a:avLst/>
-          </a:prstGeom>
-          <a:solidFill>
-            <a:schemeClr val="lt2"/>
-          </a:solidFill>
-          <a:ln w="9525" cap="flat" cmpd="sng">
-            <a:solidFill>
-              <a:schemeClr val="dk2"/>
-            </a:solidFill>
-            <a:prstDash val="solid"/>
-            <a:round/>
-            <a:headEnd type="none" w="sm" len="sm"/>
-            <a:tailEnd type="none" w="sm" len="sm"/>
-          </a:ln>
-        </p:spPr>
-        <p:txBody>
-          <a:bodyPr spcFirstLastPara="1" wrap="square" lIns="121900" tIns="121900" rIns="121900" bIns="121900" anchor="ctr" anchorCtr="0">
-            <a:noAutofit/>
-          </a:bodyPr>
-          <a:lstStyle/>
-          <a:p>
-            <a:pPr algn="ctr"/>
-            <a:endParaRPr sz="2400"/>
-          </a:p>
-        </p:txBody>
-      </p:sp>
-      <p:pic>
-        <p:nvPicPr>
-          <p:cNvPr id="176" name="Google Shape;176;p22"/>
-          <p:cNvPicPr preferRelativeResize="0"/>
-          <p:nvPr/>
-        </p:nvPicPr>
-        <p:blipFill>
-          <a:blip r:embed="rId4">
-            <a:alphaModFix/>
-          </a:blip>
-          <a:stretch>
-            <a:fillRect/>
-          </a:stretch>
-        </p:blipFill>
-        <p:spPr>
-          <a:xfrm>
-            <a:off x="4145933" y="3767734"/>
-            <a:ext cx="1677200" cy="992767"/>
-          </a:xfrm>
-          <a:prstGeom prst="rect">
-            <a:avLst/>
-          </a:prstGeom>
-          <a:noFill/>
-          <a:ln>
-            <a:noFill/>
-          </a:ln>
-        </p:spPr>
-      </p:pic>
-      <p:sp>
-        <p:nvSpPr>
-          <p:cNvPr id="177" name="Google Shape;177;p22"/>
-          <p:cNvSpPr/>
-          <p:nvPr/>
-        </p:nvSpPr>
-        <p:spPr>
-          <a:xfrm>
-            <a:off x="2251013" y="3687033"/>
-            <a:ext cx="1086800" cy="254400"/>
-          </a:xfrm>
-          <a:prstGeom prst="rightArrow">
-            <a:avLst>
-              <a:gd name="adj1" fmla="val 50000"/>
-              <a:gd name="adj2" fmla="val 50000"/>
-            </a:avLst>
-          </a:prstGeom>
-          <a:solidFill>
-            <a:schemeClr val="lt2"/>
-          </a:solidFill>
-          <a:ln w="9525" cap="flat" cmpd="sng">
-            <a:solidFill>
-              <a:schemeClr val="dk2"/>
-            </a:solidFill>
-            <a:prstDash val="solid"/>
-            <a:round/>
-            <a:headEnd type="none" w="sm" len="sm"/>
-            <a:tailEnd type="none" w="sm" len="sm"/>
-          </a:ln>
-        </p:spPr>
-        <p:txBody>
-          <a:bodyPr spcFirstLastPara="1" wrap="square" lIns="121900" tIns="121900" rIns="121900" bIns="121900" anchor="ctr" anchorCtr="0">
-            <a:noAutofit/>
-          </a:bodyPr>
-          <a:lstStyle/>
-          <a:p>
-            <a:endParaRPr sz="2400"/>
-          </a:p>
-        </p:txBody>
-      </p:sp>
-      <p:sp>
-        <p:nvSpPr>
-          <p:cNvPr id="178" name="Google Shape;178;p22"/>
-          <p:cNvSpPr/>
-          <p:nvPr/>
-        </p:nvSpPr>
-        <p:spPr>
-          <a:xfrm rot="10800000">
-            <a:off x="1165133" y="5386933"/>
-            <a:ext cx="7121200" cy="575200"/>
-          </a:xfrm>
-          <a:prstGeom prst="uturnArrow">
-            <a:avLst>
-              <a:gd name="adj1" fmla="val 16916"/>
-              <a:gd name="adj2" fmla="val 25000"/>
-              <a:gd name="adj3" fmla="val 25000"/>
-              <a:gd name="adj4" fmla="val 50000"/>
-              <a:gd name="adj5" fmla="val 75000"/>
-            </a:avLst>
-          </a:prstGeom>
-          <a:solidFill>
-            <a:schemeClr val="lt2"/>
-          </a:solidFill>
-          <a:ln w="9525" cap="flat" cmpd="sng">
-            <a:solidFill>
-              <a:schemeClr val="dk2"/>
-            </a:solidFill>
-            <a:prstDash val="solid"/>
-            <a:round/>
-            <a:headEnd type="none" w="sm" len="sm"/>
-            <a:tailEnd type="none" w="sm" len="sm"/>
-          </a:ln>
-        </p:spPr>
-        <p:txBody>
-          <a:bodyPr spcFirstLastPara="1" wrap="square" lIns="121900" tIns="121900" rIns="121900" bIns="121900" anchor="ctr" anchorCtr="0">
-            <a:noAutofit/>
-          </a:bodyPr>
-          <a:lstStyle/>
-          <a:p>
-            <a:endParaRPr sz="2400"/>
-          </a:p>
-        </p:txBody>
-      </p:sp>
-      <p:sp>
-        <p:nvSpPr>
-          <p:cNvPr id="179" name="Google Shape;179;p22"/>
-          <p:cNvSpPr txBox="1"/>
-          <p:nvPr/>
-        </p:nvSpPr>
-        <p:spPr>
-          <a:xfrm>
-            <a:off x="904733" y="6017334"/>
-            <a:ext cx="7829200" cy="802231"/>
-          </a:xfrm>
-          <a:prstGeom prst="rect">
-            <a:avLst/>
-          </a:prstGeom>
-          <a:noFill/>
-          <a:ln>
-            <a:noFill/>
-          </a:ln>
-        </p:spPr>
-        <p:txBody>
-          <a:bodyPr spcFirstLastPara="1" wrap="square" lIns="121900" tIns="121900" rIns="121900" bIns="121900" anchor="t" anchorCtr="0">
-            <a:spAutoFit/>
-          </a:bodyPr>
-          <a:lstStyle/>
-          <a:p>
-            <a:pPr algn="ctr">
-              <a:lnSpc>
-                <a:spcPct val="95000"/>
-              </a:lnSpc>
-              <a:spcAft>
-                <a:spcPts val="1600"/>
-              </a:spcAft>
-            </a:pPr>
-            <a:r>
-              <a:rPr lang="en" sz="2400" b="1" u="sng">
-                <a:solidFill>
-                  <a:schemeClr val="dk2"/>
-                </a:solidFill>
-              </a:rPr>
-              <a:t>Failure reasons: problems in data used for training</a:t>
-            </a:r>
-            <a:endParaRPr sz="2400" b="1" u="sng"/>
-          </a:p>
-        </p:txBody>
-      </p:sp>
-      <p:sp>
-        <p:nvSpPr>
-          <p:cNvPr id="180" name="Google Shape;180;p22"/>
           <p:cNvSpPr txBox="1">
             <a:spLocks noGrp="1"/>
           </p:cNvSpPr>
@@ -10780,6 +10209,634 @@
   <p:cSld>
     <p:spTree>
       <p:nvGrpSpPr>
+        <p:cNvPr id="1" name="Shape 166"/>
+        <p:cNvGrpSpPr/>
+        <p:nvPr/>
+      </p:nvGrpSpPr>
+      <p:grpSpPr>
+        <a:xfrm>
+          <a:off x="0" y="0"/>
+          <a:ext cx="0" cy="0"/>
+          <a:chOff x="0" y="0"/>
+          <a:chExt cx="0" cy="0"/>
+        </a:xfrm>
+      </p:grpSpPr>
+      <p:sp>
+        <p:nvSpPr>
+          <p:cNvPr id="167" name="Google Shape;167;p22"/>
+          <p:cNvSpPr txBox="1">
+            <a:spLocks noGrp="1"/>
+          </p:cNvSpPr>
+          <p:nvPr>
+            <p:ph type="title"/>
+          </p:nvPr>
+        </p:nvSpPr>
+        <p:spPr>
+          <a:xfrm>
+            <a:off x="415600" y="593367"/>
+            <a:ext cx="11360800" cy="763600"/>
+          </a:xfrm>
+          <a:prstGeom prst="rect">
+            <a:avLst/>
+          </a:prstGeom>
+        </p:spPr>
+        <p:txBody>
+          <a:bodyPr spcFirstLastPara="1" vert="horz" wrap="square" lIns="121900" tIns="121900" rIns="121900" bIns="121900" rtlCol="0" anchor="t" anchorCtr="0">
+            <a:normAutofit fontScale="90000"/>
+          </a:bodyPr>
+          <a:lstStyle/>
+          <a:p>
+            <a:r>
+              <a:rPr lang="en"/>
+              <a:t>ML in Networking</a:t>
+            </a:r>
+            <a:endParaRPr/>
+          </a:p>
+        </p:txBody>
+      </p:sp>
+      <p:sp>
+        <p:nvSpPr>
+          <p:cNvPr id="168" name="Google Shape;168;p22"/>
+          <p:cNvSpPr txBox="1">
+            <a:spLocks noGrp="1"/>
+          </p:cNvSpPr>
+          <p:nvPr>
+            <p:ph type="body" idx="1"/>
+          </p:nvPr>
+        </p:nvSpPr>
+        <p:spPr>
+          <a:xfrm>
+            <a:off x="6900567" y="2550800"/>
+            <a:ext cx="4875600" cy="3153200"/>
+          </a:xfrm>
+          <a:prstGeom prst="rect">
+            <a:avLst/>
+          </a:prstGeom>
+        </p:spPr>
+        <p:txBody>
+          <a:bodyPr spcFirstLastPara="1" vert="horz" wrap="square" lIns="121900" tIns="121900" rIns="121900" bIns="121900" rtlCol="0" anchor="t" anchorCtr="0">
+            <a:normAutofit fontScale="92500"/>
+          </a:bodyPr>
+          <a:lstStyle/>
+          <a:p>
+            <a:pPr marL="0" indent="0">
+              <a:lnSpc>
+                <a:spcPct val="95000"/>
+              </a:lnSpc>
+              <a:buNone/>
+            </a:pPr>
+            <a:r>
+              <a:rPr lang="en"/>
+              <a:t>Typical problems:</a:t>
+            </a:r>
+            <a:endParaRPr/>
+          </a:p>
+          <a:p>
+            <a:pPr>
+              <a:lnSpc>
+                <a:spcPct val="95000"/>
+              </a:lnSpc>
+              <a:spcBef>
+                <a:spcPts val="1600"/>
+              </a:spcBef>
+              <a:buChar char="-"/>
+            </a:pPr>
+            <a:r>
+              <a:rPr lang="en"/>
+              <a:t>Out of distribution</a:t>
+            </a:r>
+            <a:endParaRPr/>
+          </a:p>
+          <a:p>
+            <a:pPr>
+              <a:lnSpc>
+                <a:spcPct val="95000"/>
+              </a:lnSpc>
+              <a:buChar char="-"/>
+            </a:pPr>
+            <a:r>
+              <a:rPr lang="en"/>
+              <a:t>Lack of generalization</a:t>
+            </a:r>
+            <a:endParaRPr/>
+          </a:p>
+          <a:p>
+            <a:pPr>
+              <a:lnSpc>
+                <a:spcPct val="95000"/>
+              </a:lnSpc>
+              <a:buChar char="-"/>
+            </a:pPr>
+            <a:r>
+              <a:rPr lang="en"/>
+              <a:t>Spurious correlations</a:t>
+            </a:r>
+            <a:endParaRPr/>
+          </a:p>
+          <a:p>
+            <a:pPr>
+              <a:lnSpc>
+                <a:spcPct val="95000"/>
+              </a:lnSpc>
+              <a:buChar char="-"/>
+            </a:pPr>
+            <a:r>
+              <a:rPr lang="en"/>
+              <a:t>Underspecified failure modes</a:t>
+            </a:r>
+            <a:endParaRPr/>
+          </a:p>
+          <a:p>
+            <a:pPr>
+              <a:lnSpc>
+                <a:spcPct val="95000"/>
+              </a:lnSpc>
+              <a:buChar char="-"/>
+            </a:pPr>
+            <a:r>
+              <a:rPr lang="en"/>
+              <a:t>Plain overfitting</a:t>
+            </a:r>
+            <a:endParaRPr/>
+          </a:p>
+          <a:p>
+            <a:pPr>
+              <a:lnSpc>
+                <a:spcPct val="95000"/>
+              </a:lnSpc>
+              <a:buChar char="-"/>
+            </a:pPr>
+            <a:r>
+              <a:rPr lang="en"/>
+              <a:t>…</a:t>
+            </a:r>
+            <a:endParaRPr/>
+          </a:p>
+        </p:txBody>
+      </p:sp>
+      <p:sp>
+        <p:nvSpPr>
+          <p:cNvPr id="169" name="Google Shape;169;p22"/>
+          <p:cNvSpPr/>
+          <p:nvPr/>
+        </p:nvSpPr>
+        <p:spPr>
+          <a:xfrm>
+            <a:off x="3536333" y="3158141"/>
+            <a:ext cx="1677200" cy="987600"/>
+          </a:xfrm>
+          <a:prstGeom prst="rect">
+            <a:avLst/>
+          </a:prstGeom>
+          <a:solidFill>
+            <a:schemeClr val="lt2"/>
+          </a:solidFill>
+          <a:ln w="9525" cap="flat" cmpd="sng">
+            <a:solidFill>
+              <a:schemeClr val="dk2"/>
+            </a:solidFill>
+            <a:prstDash val="solid"/>
+            <a:round/>
+            <a:headEnd type="none" w="sm" len="sm"/>
+            <a:tailEnd type="none" w="sm" len="sm"/>
+          </a:ln>
+        </p:spPr>
+        <p:txBody>
+          <a:bodyPr spcFirstLastPara="1" wrap="square" lIns="121900" tIns="121900" rIns="121900" bIns="121900" anchor="ctr" anchorCtr="0">
+            <a:noAutofit/>
+          </a:bodyPr>
+          <a:lstStyle/>
+          <a:p>
+            <a:pPr algn="ctr"/>
+            <a:r>
+              <a:rPr lang="en" sz="2400"/>
+              <a:t>Train ✅</a:t>
+            </a:r>
+            <a:endParaRPr sz="2400"/>
+          </a:p>
+        </p:txBody>
+      </p:sp>
+      <p:sp>
+        <p:nvSpPr>
+          <p:cNvPr id="170" name="Google Shape;170;p22"/>
+          <p:cNvSpPr txBox="1"/>
+          <p:nvPr/>
+        </p:nvSpPr>
+        <p:spPr>
+          <a:xfrm>
+            <a:off x="3536333" y="2624534"/>
+            <a:ext cx="1677200" cy="615513"/>
+          </a:xfrm>
+          <a:prstGeom prst="rect">
+            <a:avLst/>
+          </a:prstGeom>
+          <a:noFill/>
+          <a:ln>
+            <a:noFill/>
+          </a:ln>
+        </p:spPr>
+        <p:txBody>
+          <a:bodyPr spcFirstLastPara="1" wrap="square" lIns="121900" tIns="121900" rIns="121900" bIns="121900" anchor="t" anchorCtr="0">
+            <a:spAutoFit/>
+          </a:bodyPr>
+          <a:lstStyle/>
+          <a:p>
+            <a:pPr algn="ctr"/>
+            <a:r>
+              <a:rPr lang="en" sz="2400"/>
+              <a:t>Production</a:t>
+            </a:r>
+            <a:endParaRPr sz="2400"/>
+          </a:p>
+        </p:txBody>
+      </p:sp>
+      <p:pic>
+        <p:nvPicPr>
+          <p:cNvPr id="171" name="Google Shape;171;p22"/>
+          <p:cNvPicPr preferRelativeResize="0"/>
+          <p:nvPr/>
+        </p:nvPicPr>
+        <p:blipFill>
+          <a:blip r:embed="rId3">
+            <a:alphaModFix/>
+          </a:blip>
+          <a:stretch>
+            <a:fillRect/>
+          </a:stretch>
+        </p:blipFill>
+        <p:spPr>
+          <a:xfrm>
+            <a:off x="811134" y="3158134"/>
+            <a:ext cx="1038165" cy="1312201"/>
+          </a:xfrm>
+          <a:prstGeom prst="rect">
+            <a:avLst/>
+          </a:prstGeom>
+          <a:noFill/>
+          <a:ln>
+            <a:noFill/>
+          </a:ln>
+        </p:spPr>
+      </p:pic>
+      <p:sp>
+        <p:nvSpPr>
+          <p:cNvPr id="172" name="Google Shape;172;p22"/>
+          <p:cNvSpPr txBox="1"/>
+          <p:nvPr/>
+        </p:nvSpPr>
+        <p:spPr>
+          <a:xfrm>
+            <a:off x="755612" y="2550800"/>
+            <a:ext cx="1149200" cy="615513"/>
+          </a:xfrm>
+          <a:prstGeom prst="rect">
+            <a:avLst/>
+          </a:prstGeom>
+          <a:noFill/>
+          <a:ln>
+            <a:noFill/>
+          </a:ln>
+        </p:spPr>
+        <p:txBody>
+          <a:bodyPr spcFirstLastPara="1" wrap="square" lIns="121900" tIns="121900" rIns="121900" bIns="121900" anchor="t" anchorCtr="0">
+            <a:spAutoFit/>
+          </a:bodyPr>
+          <a:lstStyle/>
+          <a:p>
+            <a:pPr algn="ctr"/>
+            <a:r>
+              <a:rPr lang="en" sz="2400"/>
+              <a:t>Data</a:t>
+            </a:r>
+            <a:endParaRPr sz="2400"/>
+          </a:p>
+        </p:txBody>
+      </p:sp>
+      <p:sp>
+        <p:nvSpPr>
+          <p:cNvPr id="173" name="Google Shape;173;p22"/>
+          <p:cNvSpPr/>
+          <p:nvPr/>
+        </p:nvSpPr>
+        <p:spPr>
+          <a:xfrm>
+            <a:off x="3739533" y="3361341"/>
+            <a:ext cx="1677200" cy="987600"/>
+          </a:xfrm>
+          <a:prstGeom prst="rect">
+            <a:avLst/>
+          </a:prstGeom>
+          <a:solidFill>
+            <a:schemeClr val="lt2"/>
+          </a:solidFill>
+          <a:ln w="9525" cap="flat" cmpd="sng">
+            <a:solidFill>
+              <a:schemeClr val="dk2"/>
+            </a:solidFill>
+            <a:prstDash val="solid"/>
+            <a:round/>
+            <a:headEnd type="none" w="sm" len="sm"/>
+            <a:tailEnd type="none" w="sm" len="sm"/>
+          </a:ln>
+        </p:spPr>
+        <p:txBody>
+          <a:bodyPr spcFirstLastPara="1" wrap="square" lIns="121900" tIns="121900" rIns="121900" bIns="121900" anchor="ctr" anchorCtr="0">
+            <a:noAutofit/>
+          </a:bodyPr>
+          <a:lstStyle/>
+          <a:p>
+            <a:pPr algn="ctr"/>
+            <a:r>
+              <a:rPr lang="en" sz="2400"/>
+              <a:t>Test✅</a:t>
+            </a:r>
+            <a:endParaRPr sz="2400"/>
+          </a:p>
+        </p:txBody>
+      </p:sp>
+      <p:sp>
+        <p:nvSpPr>
+          <p:cNvPr id="174" name="Google Shape;174;p22"/>
+          <p:cNvSpPr/>
+          <p:nvPr/>
+        </p:nvSpPr>
+        <p:spPr>
+          <a:xfrm>
+            <a:off x="3942733" y="3564541"/>
+            <a:ext cx="1677200" cy="987600"/>
+          </a:xfrm>
+          <a:prstGeom prst="rect">
+            <a:avLst/>
+          </a:prstGeom>
+          <a:solidFill>
+            <a:schemeClr val="lt2"/>
+          </a:solidFill>
+          <a:ln w="9525" cap="flat" cmpd="sng">
+            <a:solidFill>
+              <a:schemeClr val="dk2"/>
+            </a:solidFill>
+            <a:prstDash val="solid"/>
+            <a:round/>
+            <a:headEnd type="none" w="sm" len="sm"/>
+            <a:tailEnd type="none" w="sm" len="sm"/>
+          </a:ln>
+        </p:spPr>
+        <p:txBody>
+          <a:bodyPr spcFirstLastPara="1" wrap="square" lIns="121900" tIns="121900" rIns="121900" bIns="121900" anchor="ctr" anchorCtr="0">
+            <a:noAutofit/>
+          </a:bodyPr>
+          <a:lstStyle/>
+          <a:p>
+            <a:pPr algn="ctr"/>
+            <a:r>
+              <a:rPr lang="en" sz="2400"/>
+              <a:t>Deploy❓</a:t>
+            </a:r>
+            <a:endParaRPr sz="2400"/>
+          </a:p>
+        </p:txBody>
+      </p:sp>
+      <p:sp>
+        <p:nvSpPr>
+          <p:cNvPr id="175" name="Google Shape;175;p22"/>
+          <p:cNvSpPr/>
+          <p:nvPr/>
+        </p:nvSpPr>
+        <p:spPr>
+          <a:xfrm>
+            <a:off x="4145933" y="3767741"/>
+            <a:ext cx="1677200" cy="987600"/>
+          </a:xfrm>
+          <a:prstGeom prst="rect">
+            <a:avLst/>
+          </a:prstGeom>
+          <a:solidFill>
+            <a:schemeClr val="lt2"/>
+          </a:solidFill>
+          <a:ln w="9525" cap="flat" cmpd="sng">
+            <a:solidFill>
+              <a:schemeClr val="dk2"/>
+            </a:solidFill>
+            <a:prstDash val="solid"/>
+            <a:round/>
+            <a:headEnd type="none" w="sm" len="sm"/>
+            <a:tailEnd type="none" w="sm" len="sm"/>
+          </a:ln>
+        </p:spPr>
+        <p:txBody>
+          <a:bodyPr spcFirstLastPara="1" wrap="square" lIns="121900" tIns="121900" rIns="121900" bIns="121900" anchor="ctr" anchorCtr="0">
+            <a:noAutofit/>
+          </a:bodyPr>
+          <a:lstStyle/>
+          <a:p>
+            <a:pPr algn="ctr"/>
+            <a:endParaRPr sz="2400"/>
+          </a:p>
+        </p:txBody>
+      </p:sp>
+      <p:pic>
+        <p:nvPicPr>
+          <p:cNvPr id="176" name="Google Shape;176;p22"/>
+          <p:cNvPicPr preferRelativeResize="0"/>
+          <p:nvPr/>
+        </p:nvPicPr>
+        <p:blipFill>
+          <a:blip r:embed="rId4">
+            <a:alphaModFix/>
+          </a:blip>
+          <a:stretch>
+            <a:fillRect/>
+          </a:stretch>
+        </p:blipFill>
+        <p:spPr>
+          <a:xfrm>
+            <a:off x="4145933" y="3767734"/>
+            <a:ext cx="1677200" cy="992767"/>
+          </a:xfrm>
+          <a:prstGeom prst="rect">
+            <a:avLst/>
+          </a:prstGeom>
+          <a:noFill/>
+          <a:ln>
+            <a:noFill/>
+          </a:ln>
+        </p:spPr>
+      </p:pic>
+      <p:sp>
+        <p:nvSpPr>
+          <p:cNvPr id="177" name="Google Shape;177;p22"/>
+          <p:cNvSpPr/>
+          <p:nvPr/>
+        </p:nvSpPr>
+        <p:spPr>
+          <a:xfrm>
+            <a:off x="2251013" y="3687033"/>
+            <a:ext cx="1086800" cy="254400"/>
+          </a:xfrm>
+          <a:prstGeom prst="rightArrow">
+            <a:avLst>
+              <a:gd name="adj1" fmla="val 50000"/>
+              <a:gd name="adj2" fmla="val 50000"/>
+            </a:avLst>
+          </a:prstGeom>
+          <a:solidFill>
+            <a:schemeClr val="lt2"/>
+          </a:solidFill>
+          <a:ln w="9525" cap="flat" cmpd="sng">
+            <a:solidFill>
+              <a:schemeClr val="dk2"/>
+            </a:solidFill>
+            <a:prstDash val="solid"/>
+            <a:round/>
+            <a:headEnd type="none" w="sm" len="sm"/>
+            <a:tailEnd type="none" w="sm" len="sm"/>
+          </a:ln>
+        </p:spPr>
+        <p:txBody>
+          <a:bodyPr spcFirstLastPara="1" wrap="square" lIns="121900" tIns="121900" rIns="121900" bIns="121900" anchor="ctr" anchorCtr="0">
+            <a:noAutofit/>
+          </a:bodyPr>
+          <a:lstStyle/>
+          <a:p>
+            <a:endParaRPr sz="2400"/>
+          </a:p>
+        </p:txBody>
+      </p:sp>
+      <p:sp>
+        <p:nvSpPr>
+          <p:cNvPr id="178" name="Google Shape;178;p22"/>
+          <p:cNvSpPr/>
+          <p:nvPr/>
+        </p:nvSpPr>
+        <p:spPr>
+          <a:xfrm rot="10800000">
+            <a:off x="1165133" y="5386933"/>
+            <a:ext cx="7121200" cy="575200"/>
+          </a:xfrm>
+          <a:prstGeom prst="uturnArrow">
+            <a:avLst>
+              <a:gd name="adj1" fmla="val 16916"/>
+              <a:gd name="adj2" fmla="val 25000"/>
+              <a:gd name="adj3" fmla="val 25000"/>
+              <a:gd name="adj4" fmla="val 50000"/>
+              <a:gd name="adj5" fmla="val 75000"/>
+            </a:avLst>
+          </a:prstGeom>
+          <a:solidFill>
+            <a:schemeClr val="lt2"/>
+          </a:solidFill>
+          <a:ln w="9525" cap="flat" cmpd="sng">
+            <a:solidFill>
+              <a:schemeClr val="dk2"/>
+            </a:solidFill>
+            <a:prstDash val="solid"/>
+            <a:round/>
+            <a:headEnd type="none" w="sm" len="sm"/>
+            <a:tailEnd type="none" w="sm" len="sm"/>
+          </a:ln>
+        </p:spPr>
+        <p:txBody>
+          <a:bodyPr spcFirstLastPara="1" wrap="square" lIns="121900" tIns="121900" rIns="121900" bIns="121900" anchor="ctr" anchorCtr="0">
+            <a:noAutofit/>
+          </a:bodyPr>
+          <a:lstStyle/>
+          <a:p>
+            <a:endParaRPr sz="2400"/>
+          </a:p>
+        </p:txBody>
+      </p:sp>
+      <p:sp>
+        <p:nvSpPr>
+          <p:cNvPr id="179" name="Google Shape;179;p22"/>
+          <p:cNvSpPr txBox="1"/>
+          <p:nvPr/>
+        </p:nvSpPr>
+        <p:spPr>
+          <a:xfrm>
+            <a:off x="904733" y="6017334"/>
+            <a:ext cx="7829200" cy="802231"/>
+          </a:xfrm>
+          <a:prstGeom prst="rect">
+            <a:avLst/>
+          </a:prstGeom>
+          <a:noFill/>
+          <a:ln>
+            <a:noFill/>
+          </a:ln>
+        </p:spPr>
+        <p:txBody>
+          <a:bodyPr spcFirstLastPara="1" wrap="square" lIns="121900" tIns="121900" rIns="121900" bIns="121900" anchor="t" anchorCtr="0">
+            <a:spAutoFit/>
+          </a:bodyPr>
+          <a:lstStyle/>
+          <a:p>
+            <a:pPr algn="ctr">
+              <a:lnSpc>
+                <a:spcPct val="95000"/>
+              </a:lnSpc>
+              <a:spcAft>
+                <a:spcPts val="1600"/>
+              </a:spcAft>
+            </a:pPr>
+            <a:r>
+              <a:rPr lang="en" sz="2400" b="1" u="sng">
+                <a:solidFill>
+                  <a:schemeClr val="dk2"/>
+                </a:solidFill>
+              </a:rPr>
+              <a:t>Failure reasons: problems in data used for training</a:t>
+            </a:r>
+            <a:endParaRPr sz="2400" b="1" u="sng"/>
+          </a:p>
+        </p:txBody>
+      </p:sp>
+      <p:sp>
+        <p:nvSpPr>
+          <p:cNvPr id="180" name="Google Shape;180;p22"/>
+          <p:cNvSpPr txBox="1">
+            <a:spLocks noGrp="1"/>
+          </p:cNvSpPr>
+          <p:nvPr>
+            <p:ph type="sldNum" idx="12"/>
+          </p:nvPr>
+        </p:nvSpPr>
+        <p:spPr>
+          <a:xfrm>
+            <a:off x="11296611" y="6217623"/>
+            <a:ext cx="731600" cy="524800"/>
+          </a:xfrm>
+          <a:prstGeom prst="rect">
+            <a:avLst/>
+          </a:prstGeom>
+        </p:spPr>
+        <p:txBody>
+          <a:bodyPr spcFirstLastPara="1" vert="horz" wrap="square" lIns="121900" tIns="121900" rIns="121900" bIns="121900" rtlCol="0" anchor="ctr" anchorCtr="0">
+            <a:normAutofit/>
+          </a:bodyPr>
+          <a:lstStyle/>
+          <a:p>
+            <a:fld id="{00000000-1234-1234-1234-123412341234}" type="slidenum">
+              <a:rPr lang="en"/>
+              <a:pPr/>
+              <a:t>20</a:t>
+            </a:fld>
+            <a:endParaRPr/>
+          </a:p>
+        </p:txBody>
+      </p:sp>
+    </p:spTree>
+  </p:cSld>
+  <p:clrMapOvr>
+    <a:masterClrMapping/>
+  </p:clrMapOvr>
+</p:sld>
+</file>
+
+<file path=ppt/slides/slide21.xml><?xml version="1.0" encoding="utf-8"?>
+<p:sld xmlns:a="http://schemas.openxmlformats.org/drawingml/2006/main" xmlns:r="http://schemas.openxmlformats.org/officeDocument/2006/relationships" xmlns:p="http://schemas.openxmlformats.org/presentationml/2006/main">
+  <p:cSld>
+    <p:spTree>
+      <p:nvGrpSpPr>
         <p:cNvPr id="1" name="Shape 184"/>
         <p:cNvGrpSpPr/>
         <p:nvPr/>
@@ -11493,7 +11550,7 @@
             <a:fld id="{00000000-1234-1234-1234-123412341234}" type="slidenum">
               <a:rPr lang="en"/>
               <a:pPr/>
-              <a:t>20</a:t>
+              <a:t>21</a:t>
             </a:fld>
             <a:endParaRPr/>
           </a:p>
@@ -11507,7 +11564,7 @@
 </p:sld>
 </file>
 
-<file path=ppt/slides/slide21.xml><?xml version="1.0" encoding="utf-8"?>
+<file path=ppt/slides/slide22.xml><?xml version="1.0" encoding="utf-8"?>
 <p:sld xmlns:a="http://schemas.openxmlformats.org/drawingml/2006/main" xmlns:r="http://schemas.openxmlformats.org/officeDocument/2006/relationships" xmlns:p="http://schemas.openxmlformats.org/presentationml/2006/main">
   <p:cSld>
     <p:spTree>
@@ -12446,7 +12503,7 @@
             <a:fld id="{00000000-1234-1234-1234-123412341234}" type="slidenum">
               <a:rPr lang="en"/>
               <a:pPr/>
-              <a:t>21</a:t>
+              <a:t>22</a:t>
             </a:fld>
             <a:endParaRPr/>
           </a:p>
@@ -12460,7 +12517,7 @@
 </p:sld>
 </file>
 
-<file path=ppt/slides/slide22.xml><?xml version="1.0" encoding="utf-8"?>
+<file path=ppt/slides/slide23.xml><?xml version="1.0" encoding="utf-8"?>
 <p:sld xmlns:a="http://schemas.openxmlformats.org/drawingml/2006/main" xmlns:r="http://schemas.openxmlformats.org/officeDocument/2006/relationships" xmlns:p="http://schemas.openxmlformats.org/presentationml/2006/main">
   <p:cSld>
     <p:spTree>
@@ -12642,7 +12699,7 @@
             <a:fld id="{00000000-1234-1234-1234-123412341234}" type="slidenum">
               <a:rPr lang="en"/>
               <a:pPr/>
-              <a:t>22</a:t>
+              <a:t>23</a:t>
             </a:fld>
             <a:endParaRPr/>
           </a:p>
@@ -12656,7 +12713,7 @@
 </p:sld>
 </file>
 
-<file path=ppt/slides/slide23.xml><?xml version="1.0" encoding="utf-8"?>
+<file path=ppt/slides/slide24.xml><?xml version="1.0" encoding="utf-8"?>
 <p:sld xmlns:a="http://schemas.openxmlformats.org/drawingml/2006/main" xmlns:r="http://schemas.openxmlformats.org/officeDocument/2006/relationships" xmlns:p="http://schemas.openxmlformats.org/presentationml/2006/main">
   <p:cSld>
     <p:spTree>
@@ -12883,7 +12940,7 @@
             <a:fld id="{00000000-1234-1234-1234-123412341234}" type="slidenum">
               <a:rPr lang="en"/>
               <a:pPr/>
-              <a:t>23</a:t>
+              <a:t>24</a:t>
             </a:fld>
             <a:endParaRPr/>
           </a:p>
@@ -12897,7 +12954,7 @@
 </p:sld>
 </file>
 
-<file path=ppt/slides/slide24.xml><?xml version="1.0" encoding="utf-8"?>
+<file path=ppt/slides/slide25.xml><?xml version="1.0" encoding="utf-8"?>
 <p:sld xmlns:a="http://schemas.openxmlformats.org/drawingml/2006/main" xmlns:r="http://schemas.openxmlformats.org/officeDocument/2006/relationships" xmlns:p="http://schemas.openxmlformats.org/presentationml/2006/main">
   <p:cSld>
     <p:spTree>
@@ -13041,7 +13098,7 @@
             <a:fld id="{00000000-1234-1234-1234-123412341234}" type="slidenum">
               <a:rPr lang="en"/>
               <a:pPr/>
-              <a:t>24</a:t>
+              <a:t>25</a:t>
             </a:fld>
             <a:endParaRPr/>
           </a:p>
@@ -13055,7 +13112,7 @@
 </p:sld>
 </file>
 
-<file path=ppt/slides/slide25.xml><?xml version="1.0" encoding="utf-8"?>
+<file path=ppt/slides/slide26.xml><?xml version="1.0" encoding="utf-8"?>
 <p:sld xmlns:a="http://schemas.openxmlformats.org/drawingml/2006/main" xmlns:r="http://schemas.openxmlformats.org/officeDocument/2006/relationships" xmlns:p="http://schemas.openxmlformats.org/presentationml/2006/main">
   <p:cSld>
     <p:spTree>
@@ -13304,7 +13361,7 @@
             <a:fld id="{00000000-1234-1234-1234-123412341234}" type="slidenum">
               <a:rPr lang="en"/>
               <a:pPr/>
-              <a:t>25</a:t>
+              <a:t>26</a:t>
             </a:fld>
             <a:endParaRPr/>
           </a:p>
@@ -13318,7 +13375,7 @@
 </p:sld>
 </file>
 
-<file path=ppt/slides/slide26.xml><?xml version="1.0" encoding="utf-8"?>
+<file path=ppt/slides/slide27.xml><?xml version="1.0" encoding="utf-8"?>
 <p:sld xmlns:a="http://schemas.openxmlformats.org/drawingml/2006/main" xmlns:r="http://schemas.openxmlformats.org/officeDocument/2006/relationships" xmlns:p="http://schemas.openxmlformats.org/presentationml/2006/main">
   <p:cSld>
     <p:spTree>
@@ -13504,7 +13561,7 @@
             <a:fld id="{00000000-1234-1234-1234-123412341234}" type="slidenum">
               <a:rPr lang="en"/>
               <a:pPr/>
-              <a:t>26</a:t>
+              <a:t>27</a:t>
             </a:fld>
             <a:endParaRPr/>
           </a:p>
@@ -13518,7 +13575,7 @@
 </p:sld>
 </file>
 
-<file path=ppt/slides/slide27.xml><?xml version="1.0" encoding="utf-8"?>
+<file path=ppt/slides/slide28.xml><?xml version="1.0" encoding="utf-8"?>
 <p:sld xmlns:a="http://schemas.openxmlformats.org/drawingml/2006/main" xmlns:r="http://schemas.openxmlformats.org/officeDocument/2006/relationships" xmlns:p="http://schemas.openxmlformats.org/presentationml/2006/main">
   <p:cSld>
     <p:spTree>
@@ -13741,7 +13798,7 @@
             <a:fld id="{00000000-1234-1234-1234-123412341234}" type="slidenum">
               <a:rPr lang="en"/>
               <a:pPr/>
-              <a:t>27</a:t>
+              <a:t>28</a:t>
             </a:fld>
             <a:endParaRPr/>
           </a:p>
@@ -13755,7 +13812,7 @@
 </p:sld>
 </file>
 
-<file path=ppt/slides/slide28.xml><?xml version="1.0" encoding="utf-8"?>
+<file path=ppt/slides/slide29.xml><?xml version="1.0" encoding="utf-8"?>
 <p:sld xmlns:a="http://schemas.openxmlformats.org/drawingml/2006/main" xmlns:r="http://schemas.openxmlformats.org/officeDocument/2006/relationships" xmlns:p="http://schemas.openxmlformats.org/presentationml/2006/main">
   <p:cSld>
     <p:spTree>
@@ -13864,182 +13921,6 @@
       <p:sp>
         <p:nvSpPr>
           <p:cNvPr id="311" name="Google Shape;311;p34"/>
-          <p:cNvSpPr txBox="1">
-            <a:spLocks noGrp="1"/>
-          </p:cNvSpPr>
-          <p:nvPr>
-            <p:ph type="sldNum" idx="12"/>
-          </p:nvPr>
-        </p:nvSpPr>
-        <p:spPr>
-          <a:xfrm>
-            <a:off x="11296611" y="6217623"/>
-            <a:ext cx="731600" cy="524800"/>
-          </a:xfrm>
-          <a:prstGeom prst="rect">
-            <a:avLst/>
-          </a:prstGeom>
-        </p:spPr>
-        <p:txBody>
-          <a:bodyPr spcFirstLastPara="1" vert="horz" wrap="square" lIns="121900" tIns="121900" rIns="121900" bIns="121900" rtlCol="0" anchor="ctr" anchorCtr="0">
-            <a:normAutofit/>
-          </a:bodyPr>
-          <a:lstStyle/>
-          <a:p>
-            <a:fld id="{00000000-1234-1234-1234-123412341234}" type="slidenum">
-              <a:rPr lang="en"/>
-              <a:pPr/>
-              <a:t>28</a:t>
-            </a:fld>
-            <a:endParaRPr/>
-          </a:p>
-        </p:txBody>
-      </p:sp>
-    </p:spTree>
-  </p:cSld>
-  <p:clrMapOvr>
-    <a:masterClrMapping/>
-  </p:clrMapOvr>
-</p:sld>
-</file>
-
-<file path=ppt/slides/slide29.xml><?xml version="1.0" encoding="utf-8"?>
-<p:sld xmlns:a="http://schemas.openxmlformats.org/drawingml/2006/main" xmlns:r="http://schemas.openxmlformats.org/officeDocument/2006/relationships" xmlns:p="http://schemas.openxmlformats.org/presentationml/2006/main">
-  <p:cSld>
-    <p:spTree>
-      <p:nvGrpSpPr>
-        <p:cNvPr id="1" name="Shape 315"/>
-        <p:cNvGrpSpPr/>
-        <p:nvPr/>
-      </p:nvGrpSpPr>
-      <p:grpSpPr>
-        <a:xfrm>
-          <a:off x="0" y="0"/>
-          <a:ext cx="0" cy="0"/>
-          <a:chOff x="0" y="0"/>
-          <a:chExt cx="0" cy="0"/>
-        </a:xfrm>
-      </p:grpSpPr>
-      <p:sp>
-        <p:nvSpPr>
-          <p:cNvPr id="316" name="Google Shape;316;p35"/>
-          <p:cNvSpPr txBox="1">
-            <a:spLocks noGrp="1"/>
-          </p:cNvSpPr>
-          <p:nvPr>
-            <p:ph type="title"/>
-          </p:nvPr>
-        </p:nvSpPr>
-        <p:spPr>
-          <a:xfrm>
-            <a:off x="415600" y="593367"/>
-            <a:ext cx="11360800" cy="763600"/>
-          </a:xfrm>
-          <a:prstGeom prst="rect">
-            <a:avLst/>
-          </a:prstGeom>
-        </p:spPr>
-        <p:txBody>
-          <a:bodyPr spcFirstLastPara="1" vert="horz" wrap="square" lIns="121900" tIns="121900" rIns="121900" bIns="121900" rtlCol="0" anchor="t" anchorCtr="0">
-            <a:normAutofit fontScale="90000"/>
-          </a:bodyPr>
-          <a:lstStyle/>
-          <a:p>
-            <a:r>
-              <a:rPr lang="en"/>
-              <a:t>Illustrative example: Heartbleed @ CIC-IDS2017</a:t>
-            </a:r>
-            <a:endParaRPr/>
-          </a:p>
-        </p:txBody>
-      </p:sp>
-      <p:sp>
-        <p:nvSpPr>
-          <p:cNvPr id="317" name="Google Shape;317;p35"/>
-          <p:cNvSpPr txBox="1">
-            <a:spLocks noGrp="1"/>
-          </p:cNvSpPr>
-          <p:nvPr>
-            <p:ph type="body" idx="1"/>
-          </p:nvPr>
-        </p:nvSpPr>
-        <p:spPr>
-          <a:xfrm>
-            <a:off x="415600" y="1536633"/>
-            <a:ext cx="11360800" cy="1720800"/>
-          </a:xfrm>
-          <a:prstGeom prst="rect">
-            <a:avLst/>
-          </a:prstGeom>
-        </p:spPr>
-        <p:txBody>
-          <a:bodyPr spcFirstLastPara="1" vert="horz" wrap="square" lIns="121900" tIns="121900" rIns="121900" bIns="121900" rtlCol="0" anchor="t" anchorCtr="0">
-            <a:normAutofit lnSpcReduction="10000"/>
-          </a:bodyPr>
-          <a:lstStyle/>
-          <a:p>
-            <a:pPr>
-              <a:buChar char="-"/>
-            </a:pPr>
-            <a:r>
-              <a:rPr lang="en"/>
-              <a:t>Particular attack classification (Heartbleed)</a:t>
-            </a:r>
-            <a:endParaRPr/>
-          </a:p>
-          <a:p>
-            <a:pPr>
-              <a:buChar char="-"/>
-            </a:pPr>
-            <a:r>
-              <a:rPr lang="en"/>
-              <a:t>78 pre-computed features from flow statistics (e.g. flow duration, mean IA)</a:t>
-            </a:r>
-            <a:endParaRPr/>
-          </a:p>
-          <a:p>
-            <a:pPr>
-              <a:buChar char="-"/>
-            </a:pPr>
-            <a:r>
-              <a:rPr lang="en"/>
-              <a:t>Reported F1 score: 0.99</a:t>
-            </a:r>
-            <a:endParaRPr/>
-          </a:p>
-        </p:txBody>
-      </p:sp>
-      <p:pic>
-        <p:nvPicPr>
-          <p:cNvPr id="318" name="Google Shape;318;p35"/>
-          <p:cNvPicPr preferRelativeResize="0"/>
-          <p:nvPr/>
-        </p:nvPicPr>
-        <p:blipFill>
-          <a:blip r:embed="rId3">
-            <a:alphaModFix/>
-          </a:blip>
-          <a:stretch>
-            <a:fillRect/>
-          </a:stretch>
-        </p:blipFill>
-        <p:spPr>
-          <a:xfrm>
-            <a:off x="3678301" y="3319701"/>
-            <a:ext cx="7849567" cy="3150568"/>
-          </a:xfrm>
-          <a:prstGeom prst="rect">
-            <a:avLst/>
-          </a:prstGeom>
-          <a:noFill/>
-          <a:ln>
-            <a:noFill/>
-          </a:ln>
-        </p:spPr>
-      </p:pic>
-      <p:sp>
-        <p:nvSpPr>
-          <p:cNvPr id="319" name="Google Shape;319;p35"/>
           <p:cNvSpPr txBox="1">
             <a:spLocks noGrp="1"/>
           </p:cNvSpPr>
@@ -14146,7 +14027,7 @@
           </a:ln>
           <a:extLst>
             <a:ext uri="{C572A759-6A51-4108-AA02-DFA0A04FC94B}">
-              <ma14:wrappingTextBoxFlag xmlns="" xmlns:m="http://schemas.openxmlformats.org/officeDocument/2006/math" xmlns:a14="http://schemas.microsoft.com/office/drawing/2010/main" xmlns:ma14="http://schemas.microsoft.com/office/mac/drawingml/2011/main" val="1"/>
+              <ma14:wrappingTextBoxFlag xmlns:ma14="http://schemas.microsoft.com/office/mac/drawingml/2011/main" xmlns:a14="http://schemas.microsoft.com/office/drawing/2010/main" xmlns:m="http://schemas.openxmlformats.org/officeDocument/2006/math" xmlns="" val="1"/>
             </a:ext>
           </a:extLst>
         </p:spPr>
@@ -14616,7 +14497,7 @@
           </a:ln>
           <a:extLst>
             <a:ext uri="{C572A759-6A51-4108-AA02-DFA0A04FC94B}">
-              <ma14:wrappingTextBoxFlag xmlns="" xmlns:m="http://schemas.openxmlformats.org/officeDocument/2006/math" xmlns:a14="http://schemas.microsoft.com/office/drawing/2010/main" xmlns:ma14="http://schemas.microsoft.com/office/mac/drawingml/2011/main" val="1"/>
+              <ma14:wrappingTextBoxFlag xmlns:ma14="http://schemas.microsoft.com/office/mac/drawingml/2011/main" xmlns:a14="http://schemas.microsoft.com/office/drawing/2010/main" xmlns:m="http://schemas.openxmlformats.org/officeDocument/2006/math" xmlns="" val="1"/>
             </a:ext>
           </a:extLst>
         </p:spPr>
@@ -14664,7 +14545,7 @@
           </a:ln>
           <a:extLst>
             <a:ext uri="{C572A759-6A51-4108-AA02-DFA0A04FC94B}">
-              <ma14:wrappingTextBoxFlag xmlns="" xmlns:m="http://schemas.openxmlformats.org/officeDocument/2006/math" xmlns:a14="http://schemas.microsoft.com/office/drawing/2010/main" xmlns:ma14="http://schemas.microsoft.com/office/mac/drawingml/2011/main" val="1"/>
+              <ma14:wrappingTextBoxFlag xmlns:ma14="http://schemas.microsoft.com/office/mac/drawingml/2011/main" xmlns:a14="http://schemas.microsoft.com/office/drawing/2010/main" xmlns:m="http://schemas.openxmlformats.org/officeDocument/2006/math" xmlns="" val="1"/>
             </a:ext>
           </a:extLst>
         </p:spPr>
@@ -14712,7 +14593,7 @@
           </a:ln>
           <a:extLst>
             <a:ext uri="{C572A759-6A51-4108-AA02-DFA0A04FC94B}">
-              <ma14:wrappingTextBoxFlag xmlns="" xmlns:m="http://schemas.openxmlformats.org/officeDocument/2006/math" xmlns:a14="http://schemas.microsoft.com/office/drawing/2010/main" xmlns:ma14="http://schemas.microsoft.com/office/mac/drawingml/2011/main" val="1"/>
+              <ma14:wrappingTextBoxFlag xmlns:ma14="http://schemas.microsoft.com/office/mac/drawingml/2011/main" xmlns:a14="http://schemas.microsoft.com/office/drawing/2010/main" xmlns:m="http://schemas.openxmlformats.org/officeDocument/2006/math" xmlns="" val="1"/>
             </a:ext>
           </a:extLst>
         </p:spPr>
@@ -14760,7 +14641,7 @@
           </a:ln>
           <a:extLst>
             <a:ext uri="{C572A759-6A51-4108-AA02-DFA0A04FC94B}">
-              <ma14:wrappingTextBoxFlag xmlns="" xmlns:m="http://schemas.openxmlformats.org/officeDocument/2006/math" xmlns:a14="http://schemas.microsoft.com/office/drawing/2010/main" xmlns:ma14="http://schemas.microsoft.com/office/mac/drawingml/2011/main" val="1"/>
+              <ma14:wrappingTextBoxFlag xmlns:ma14="http://schemas.microsoft.com/office/mac/drawingml/2011/main" xmlns:a14="http://schemas.microsoft.com/office/drawing/2010/main" xmlns:m="http://schemas.openxmlformats.org/officeDocument/2006/math" xmlns="" val="1"/>
             </a:ext>
           </a:extLst>
         </p:spPr>
@@ -14808,7 +14689,7 @@
           </a:ln>
           <a:extLst>
             <a:ext uri="{C572A759-6A51-4108-AA02-DFA0A04FC94B}">
-              <ma14:wrappingTextBoxFlag xmlns="" xmlns:m="http://schemas.openxmlformats.org/officeDocument/2006/math" xmlns:a14="http://schemas.microsoft.com/office/drawing/2010/main" xmlns:ma14="http://schemas.microsoft.com/office/mac/drawingml/2011/main" val="1"/>
+              <ma14:wrappingTextBoxFlag xmlns:ma14="http://schemas.microsoft.com/office/mac/drawingml/2011/main" xmlns:a14="http://schemas.microsoft.com/office/drawing/2010/main" xmlns:m="http://schemas.openxmlformats.org/officeDocument/2006/math" xmlns="" val="1"/>
             </a:ext>
           </a:extLst>
         </p:spPr>
@@ -15033,7 +14914,7 @@
           </a:ln>
           <a:extLst>
             <a:ext uri="{C572A759-6A51-4108-AA02-DFA0A04FC94B}">
-              <ma14:wrappingTextBoxFlag xmlns="" xmlns:m="http://schemas.openxmlformats.org/officeDocument/2006/math" xmlns:a14="http://schemas.microsoft.com/office/drawing/2010/main" xmlns:ma14="http://schemas.microsoft.com/office/mac/drawingml/2011/main" val="1"/>
+              <ma14:wrappingTextBoxFlag xmlns:ma14="http://schemas.microsoft.com/office/mac/drawingml/2011/main" xmlns:a14="http://schemas.microsoft.com/office/drawing/2010/main" xmlns:m="http://schemas.openxmlformats.org/officeDocument/2006/math" xmlns="" val="1"/>
             </a:ext>
           </a:extLst>
         </p:spPr>
@@ -15208,7 +15089,7 @@
           </a:ln>
           <a:extLst>
             <a:ext uri="{C572A759-6A51-4108-AA02-DFA0A04FC94B}">
-              <ma14:wrappingTextBoxFlag xmlns="" xmlns:m="http://schemas.openxmlformats.org/officeDocument/2006/math" xmlns:a14="http://schemas.microsoft.com/office/drawing/2010/main" xmlns:ma14="http://schemas.microsoft.com/office/mac/drawingml/2011/main" val="1"/>
+              <ma14:wrappingTextBoxFlag xmlns:ma14="http://schemas.microsoft.com/office/mac/drawingml/2011/main" xmlns:a14="http://schemas.microsoft.com/office/drawing/2010/main" xmlns:m="http://schemas.openxmlformats.org/officeDocument/2006/math" xmlns="" val="1"/>
             </a:ext>
           </a:extLst>
         </p:spPr>
@@ -15256,7 +15137,7 @@
           </a:ln>
           <a:extLst>
             <a:ext uri="{C572A759-6A51-4108-AA02-DFA0A04FC94B}">
-              <ma14:wrappingTextBoxFlag xmlns="" xmlns:m="http://schemas.openxmlformats.org/officeDocument/2006/math" xmlns:a14="http://schemas.microsoft.com/office/drawing/2010/main" xmlns:ma14="http://schemas.microsoft.com/office/mac/drawingml/2011/main" val="1"/>
+              <ma14:wrappingTextBoxFlag xmlns:ma14="http://schemas.microsoft.com/office/mac/drawingml/2011/main" xmlns:a14="http://schemas.microsoft.com/office/drawing/2010/main" xmlns:m="http://schemas.openxmlformats.org/officeDocument/2006/math" xmlns="" val="1"/>
             </a:ext>
           </a:extLst>
         </p:spPr>
@@ -15304,7 +15185,7 @@
           </a:ln>
           <a:extLst>
             <a:ext uri="{C572A759-6A51-4108-AA02-DFA0A04FC94B}">
-              <ma14:wrappingTextBoxFlag xmlns="" xmlns:m="http://schemas.openxmlformats.org/officeDocument/2006/math" xmlns:a14="http://schemas.microsoft.com/office/drawing/2010/main" xmlns:ma14="http://schemas.microsoft.com/office/mac/drawingml/2011/main" val="1"/>
+              <ma14:wrappingTextBoxFlag xmlns:ma14="http://schemas.microsoft.com/office/mac/drawingml/2011/main" xmlns:a14="http://schemas.microsoft.com/office/drawing/2010/main" xmlns:m="http://schemas.openxmlformats.org/officeDocument/2006/math" xmlns="" val="1"/>
             </a:ext>
           </a:extLst>
         </p:spPr>
@@ -15352,7 +15233,7 @@
           </a:ln>
           <a:extLst>
             <a:ext uri="{C572A759-6A51-4108-AA02-DFA0A04FC94B}">
-              <ma14:wrappingTextBoxFlag xmlns="" xmlns:m="http://schemas.openxmlformats.org/officeDocument/2006/math" xmlns:a14="http://schemas.microsoft.com/office/drawing/2010/main" xmlns:ma14="http://schemas.microsoft.com/office/mac/drawingml/2011/main" val="1"/>
+              <ma14:wrappingTextBoxFlag xmlns:ma14="http://schemas.microsoft.com/office/mac/drawingml/2011/main" xmlns:a14="http://schemas.microsoft.com/office/drawing/2010/main" xmlns:m="http://schemas.openxmlformats.org/officeDocument/2006/math" xmlns="" val="1"/>
             </a:ext>
           </a:extLst>
         </p:spPr>
@@ -15400,7 +15281,7 @@
           </a:ln>
           <a:extLst>
             <a:ext uri="{C572A759-6A51-4108-AA02-DFA0A04FC94B}">
-              <ma14:wrappingTextBoxFlag xmlns="" xmlns:m="http://schemas.openxmlformats.org/officeDocument/2006/math" xmlns:a14="http://schemas.microsoft.com/office/drawing/2010/main" xmlns:ma14="http://schemas.microsoft.com/office/mac/drawingml/2011/main" val="1"/>
+              <ma14:wrappingTextBoxFlag xmlns:ma14="http://schemas.microsoft.com/office/mac/drawingml/2011/main" xmlns:a14="http://schemas.microsoft.com/office/drawing/2010/main" xmlns:m="http://schemas.openxmlformats.org/officeDocument/2006/math" xmlns="" val="1"/>
             </a:ext>
           </a:extLst>
         </p:spPr>
@@ -15625,7 +15506,7 @@
           </a:ln>
           <a:extLst>
             <a:ext uri="{C572A759-6A51-4108-AA02-DFA0A04FC94B}">
-              <ma14:wrappingTextBoxFlag xmlns="" xmlns:m="http://schemas.openxmlformats.org/officeDocument/2006/math" xmlns:a14="http://schemas.microsoft.com/office/drawing/2010/main" xmlns:ma14="http://schemas.microsoft.com/office/mac/drawingml/2011/main" val="1"/>
+              <ma14:wrappingTextBoxFlag xmlns:ma14="http://schemas.microsoft.com/office/mac/drawingml/2011/main" xmlns:a14="http://schemas.microsoft.com/office/drawing/2010/main" xmlns:m="http://schemas.openxmlformats.org/officeDocument/2006/math" xmlns="" val="1"/>
             </a:ext>
           </a:extLst>
         </p:spPr>
@@ -15671,7 +15552,7 @@
           </a:ln>
           <a:extLst>
             <a:ext uri="{C572A759-6A51-4108-AA02-DFA0A04FC94B}">
-              <ma14:wrappingTextBoxFlag xmlns="" xmlns:m="http://schemas.openxmlformats.org/officeDocument/2006/math" xmlns:a14="http://schemas.microsoft.com/office/drawing/2010/main" xmlns:ma14="http://schemas.microsoft.com/office/mac/drawingml/2011/main" val="1"/>
+              <ma14:wrappingTextBoxFlag xmlns:ma14="http://schemas.microsoft.com/office/mac/drawingml/2011/main" xmlns:a14="http://schemas.microsoft.com/office/drawing/2010/main" xmlns:m="http://schemas.openxmlformats.org/officeDocument/2006/math" xmlns="" val="1"/>
             </a:ext>
           </a:extLst>
         </p:spPr>
@@ -15707,6 +15588,182 @@
 </file>
 
 <file path=ppt/slides/slide30.xml><?xml version="1.0" encoding="utf-8"?>
+<p:sld xmlns:a="http://schemas.openxmlformats.org/drawingml/2006/main" xmlns:r="http://schemas.openxmlformats.org/officeDocument/2006/relationships" xmlns:p="http://schemas.openxmlformats.org/presentationml/2006/main">
+  <p:cSld>
+    <p:spTree>
+      <p:nvGrpSpPr>
+        <p:cNvPr id="1" name="Shape 315"/>
+        <p:cNvGrpSpPr/>
+        <p:nvPr/>
+      </p:nvGrpSpPr>
+      <p:grpSpPr>
+        <a:xfrm>
+          <a:off x="0" y="0"/>
+          <a:ext cx="0" cy="0"/>
+          <a:chOff x="0" y="0"/>
+          <a:chExt cx="0" cy="0"/>
+        </a:xfrm>
+      </p:grpSpPr>
+      <p:sp>
+        <p:nvSpPr>
+          <p:cNvPr id="316" name="Google Shape;316;p35"/>
+          <p:cNvSpPr txBox="1">
+            <a:spLocks noGrp="1"/>
+          </p:cNvSpPr>
+          <p:nvPr>
+            <p:ph type="title"/>
+          </p:nvPr>
+        </p:nvSpPr>
+        <p:spPr>
+          <a:xfrm>
+            <a:off x="415600" y="593367"/>
+            <a:ext cx="11360800" cy="763600"/>
+          </a:xfrm>
+          <a:prstGeom prst="rect">
+            <a:avLst/>
+          </a:prstGeom>
+        </p:spPr>
+        <p:txBody>
+          <a:bodyPr spcFirstLastPara="1" vert="horz" wrap="square" lIns="121900" tIns="121900" rIns="121900" bIns="121900" rtlCol="0" anchor="t" anchorCtr="0">
+            <a:normAutofit fontScale="90000"/>
+          </a:bodyPr>
+          <a:lstStyle/>
+          <a:p>
+            <a:r>
+              <a:rPr lang="en"/>
+              <a:t>Illustrative example: Heartbleed @ CIC-IDS2017</a:t>
+            </a:r>
+            <a:endParaRPr/>
+          </a:p>
+        </p:txBody>
+      </p:sp>
+      <p:sp>
+        <p:nvSpPr>
+          <p:cNvPr id="317" name="Google Shape;317;p35"/>
+          <p:cNvSpPr txBox="1">
+            <a:spLocks noGrp="1"/>
+          </p:cNvSpPr>
+          <p:nvPr>
+            <p:ph type="body" idx="1"/>
+          </p:nvPr>
+        </p:nvSpPr>
+        <p:spPr>
+          <a:xfrm>
+            <a:off x="415600" y="1536633"/>
+            <a:ext cx="11360800" cy="1720800"/>
+          </a:xfrm>
+          <a:prstGeom prst="rect">
+            <a:avLst/>
+          </a:prstGeom>
+        </p:spPr>
+        <p:txBody>
+          <a:bodyPr spcFirstLastPara="1" vert="horz" wrap="square" lIns="121900" tIns="121900" rIns="121900" bIns="121900" rtlCol="0" anchor="t" anchorCtr="0">
+            <a:normAutofit lnSpcReduction="10000"/>
+          </a:bodyPr>
+          <a:lstStyle/>
+          <a:p>
+            <a:pPr>
+              <a:buChar char="-"/>
+            </a:pPr>
+            <a:r>
+              <a:rPr lang="en"/>
+              <a:t>Particular attack classification (Heartbleed)</a:t>
+            </a:r>
+            <a:endParaRPr/>
+          </a:p>
+          <a:p>
+            <a:pPr>
+              <a:buChar char="-"/>
+            </a:pPr>
+            <a:r>
+              <a:rPr lang="en"/>
+              <a:t>78 pre-computed features from flow statistics (e.g. flow duration, mean IA)</a:t>
+            </a:r>
+            <a:endParaRPr/>
+          </a:p>
+          <a:p>
+            <a:pPr>
+              <a:buChar char="-"/>
+            </a:pPr>
+            <a:r>
+              <a:rPr lang="en"/>
+              <a:t>Reported F1 score: 0.99</a:t>
+            </a:r>
+            <a:endParaRPr/>
+          </a:p>
+        </p:txBody>
+      </p:sp>
+      <p:pic>
+        <p:nvPicPr>
+          <p:cNvPr id="318" name="Google Shape;318;p35"/>
+          <p:cNvPicPr preferRelativeResize="0"/>
+          <p:nvPr/>
+        </p:nvPicPr>
+        <p:blipFill>
+          <a:blip r:embed="rId3">
+            <a:alphaModFix/>
+          </a:blip>
+          <a:stretch>
+            <a:fillRect/>
+          </a:stretch>
+        </p:blipFill>
+        <p:spPr>
+          <a:xfrm>
+            <a:off x="3678301" y="3319701"/>
+            <a:ext cx="7849567" cy="3150568"/>
+          </a:xfrm>
+          <a:prstGeom prst="rect">
+            <a:avLst/>
+          </a:prstGeom>
+          <a:noFill/>
+          <a:ln>
+            <a:noFill/>
+          </a:ln>
+        </p:spPr>
+      </p:pic>
+      <p:sp>
+        <p:nvSpPr>
+          <p:cNvPr id="319" name="Google Shape;319;p35"/>
+          <p:cNvSpPr txBox="1">
+            <a:spLocks noGrp="1"/>
+          </p:cNvSpPr>
+          <p:nvPr>
+            <p:ph type="sldNum" idx="12"/>
+          </p:nvPr>
+        </p:nvSpPr>
+        <p:spPr>
+          <a:xfrm>
+            <a:off x="11296611" y="6217623"/>
+            <a:ext cx="731600" cy="524800"/>
+          </a:xfrm>
+          <a:prstGeom prst="rect">
+            <a:avLst/>
+          </a:prstGeom>
+        </p:spPr>
+        <p:txBody>
+          <a:bodyPr spcFirstLastPara="1" vert="horz" wrap="square" lIns="121900" tIns="121900" rIns="121900" bIns="121900" rtlCol="0" anchor="ctr" anchorCtr="0">
+            <a:normAutofit/>
+          </a:bodyPr>
+          <a:lstStyle/>
+          <a:p>
+            <a:fld id="{00000000-1234-1234-1234-123412341234}" type="slidenum">
+              <a:rPr lang="en"/>
+              <a:pPr/>
+              <a:t>30</a:t>
+            </a:fld>
+            <a:endParaRPr/>
+          </a:p>
+        </p:txBody>
+      </p:sp>
+    </p:spTree>
+  </p:cSld>
+  <p:clrMapOvr>
+    <a:masterClrMapping/>
+  </p:clrMapOvr>
+</p:sld>
+</file>
+
+<file path=ppt/slides/slide31.xml><?xml version="1.0" encoding="utf-8"?>
 <p:sld xmlns:a="http://schemas.openxmlformats.org/drawingml/2006/main" xmlns:r="http://schemas.openxmlformats.org/officeDocument/2006/relationships" xmlns:p="http://schemas.openxmlformats.org/presentationml/2006/main">
   <p:cSld>
     <p:spTree>
@@ -15894,7 +15951,7 @@
             <a:fld id="{00000000-1234-1234-1234-123412341234}" type="slidenum">
               <a:rPr lang="en"/>
               <a:pPr/>
-              <a:t>30</a:t>
+              <a:t>31</a:t>
             </a:fld>
             <a:endParaRPr/>
           </a:p>
@@ -15908,7 +15965,7 @@
 </p:sld>
 </file>
 
-<file path=ppt/slides/slide31.xml><?xml version="1.0" encoding="utf-8"?>
+<file path=ppt/slides/slide32.xml><?xml version="1.0" encoding="utf-8"?>
 <p:sld xmlns:a="http://schemas.openxmlformats.org/drawingml/2006/main" xmlns:r="http://schemas.openxmlformats.org/officeDocument/2006/relationships" xmlns:p="http://schemas.openxmlformats.org/presentationml/2006/main">
   <p:cSld>
     <p:spTree>
@@ -16100,7 +16157,7 @@
             <a:fld id="{00000000-1234-1234-1234-123412341234}" type="slidenum">
               <a:rPr lang="en"/>
               <a:pPr/>
-              <a:t>31</a:t>
+              <a:t>32</a:t>
             </a:fld>
             <a:endParaRPr/>
           </a:p>
@@ -16114,7 +16171,7 @@
 </p:sld>
 </file>
 
-<file path=ppt/slides/slide32.xml><?xml version="1.0" encoding="utf-8"?>
+<file path=ppt/slides/slide33.xml><?xml version="1.0" encoding="utf-8"?>
 <p:sld xmlns:a="http://schemas.openxmlformats.org/drawingml/2006/main" xmlns:r="http://schemas.openxmlformats.org/officeDocument/2006/relationships" xmlns:p="http://schemas.openxmlformats.org/presentationml/2006/main">
   <p:cSld>
     <p:spTree>
@@ -16195,7 +16252,7 @@
             <a:fld id="{00000000-1234-1234-1234-123412341234}" type="slidenum">
               <a:rPr lang="en"/>
               <a:pPr/>
-              <a:t>32</a:t>
+              <a:t>33</a:t>
             </a:fld>
             <a:endParaRPr/>
           </a:p>
@@ -16237,7 +16294,7 @@
 </p:sld>
 </file>
 
-<file path=ppt/slides/slide33.xml><?xml version="1.0" encoding="utf-8"?>
+<file path=ppt/slides/slide34.xml><?xml version="1.0" encoding="utf-8"?>
 <p:sld xmlns:a="http://schemas.openxmlformats.org/drawingml/2006/main" xmlns:r="http://schemas.openxmlformats.org/officeDocument/2006/relationships" xmlns:p="http://schemas.openxmlformats.org/presentationml/2006/main">
   <p:cSld>
     <p:spTree>
@@ -16490,7 +16547,7 @@
             <a:fld id="{00000000-1234-1234-1234-123412341234}" type="slidenum">
               <a:rPr lang="en"/>
               <a:pPr/>
-              <a:t>33</a:t>
+              <a:t>34</a:t>
             </a:fld>
             <a:endParaRPr/>
           </a:p>
@@ -16504,7 +16561,7 @@
 </p:sld>
 </file>
 
-<file path=ppt/slides/slide34.xml><?xml version="1.0" encoding="utf-8"?>
+<file path=ppt/slides/slide35.xml><?xml version="1.0" encoding="utf-8"?>
 <p:sld xmlns:a="http://schemas.openxmlformats.org/drawingml/2006/main" xmlns:r="http://schemas.openxmlformats.org/officeDocument/2006/relationships" xmlns:p="http://schemas.openxmlformats.org/presentationml/2006/main">
   <p:cSld>
     <p:spTree>
@@ -16646,7 +16703,7 @@
             <a:fld id="{00000000-1234-1234-1234-123412341234}" type="slidenum">
               <a:rPr lang="en"/>
               <a:pPr/>
-              <a:t>34</a:t>
+              <a:t>35</a:t>
             </a:fld>
             <a:endParaRPr/>
           </a:p>
@@ -16688,7 +16745,7 @@
 </p:sld>
 </file>
 
-<file path=ppt/slides/slide35.xml><?xml version="1.0" encoding="utf-8"?>
+<file path=ppt/slides/slide36.xml><?xml version="1.0" encoding="utf-8"?>
 <p:sld xmlns:a="http://schemas.openxmlformats.org/drawingml/2006/main" xmlns:r="http://schemas.openxmlformats.org/officeDocument/2006/relationships" xmlns:p="http://schemas.openxmlformats.org/presentationml/2006/main">
   <p:cSld>
     <p:spTree>
@@ -16840,7 +16897,7 @@
             <a:fld id="{00000000-1234-1234-1234-123412341234}" type="slidenum">
               <a:rPr lang="en"/>
               <a:pPr/>
-              <a:t>35</a:t>
+              <a:t>36</a:t>
             </a:fld>
             <a:endParaRPr/>
           </a:p>
@@ -16882,7 +16939,7 @@
 </p:sld>
 </file>
 
-<file path=ppt/slides/slide36.xml><?xml version="1.0" encoding="utf-8"?>
+<file path=ppt/slides/slide37.xml><?xml version="1.0" encoding="utf-8"?>
 <p:sld xmlns:a="http://schemas.openxmlformats.org/drawingml/2006/main" xmlns:r="http://schemas.openxmlformats.org/officeDocument/2006/relationships" xmlns:p="http://schemas.openxmlformats.org/presentationml/2006/main">
   <p:cSld>
     <p:spTree>
@@ -17044,7 +17101,7 @@
             <a:fld id="{00000000-1234-1234-1234-123412341234}" type="slidenum">
               <a:rPr lang="en"/>
               <a:pPr/>
-              <a:t>36</a:t>
+              <a:t>37</a:t>
             </a:fld>
             <a:endParaRPr/>
           </a:p>
@@ -17086,7 +17143,7 @@
 </p:sld>
 </file>
 
-<file path=ppt/slides/slide37.xml><?xml version="1.0" encoding="utf-8"?>
+<file path=ppt/slides/slide38.xml><?xml version="1.0" encoding="utf-8"?>
 <p:sld xmlns:a="http://schemas.openxmlformats.org/drawingml/2006/main" xmlns:r="http://schemas.openxmlformats.org/officeDocument/2006/relationships" xmlns:p="http://schemas.openxmlformats.org/presentationml/2006/main">
   <p:cSld>
     <p:spTree>
@@ -17258,7 +17315,7 @@
             <a:fld id="{00000000-1234-1234-1234-123412341234}" type="slidenum">
               <a:rPr lang="en"/>
               <a:pPr/>
-              <a:t>37</a:t>
+              <a:t>38</a:t>
             </a:fld>
             <a:endParaRPr/>
           </a:p>
@@ -17328,7 +17385,7 @@
 </p:sld>
 </file>
 
-<file path=ppt/slides/slide38.xml><?xml version="1.0" encoding="utf-8"?>
+<file path=ppt/slides/slide39.xml><?xml version="1.0" encoding="utf-8"?>
 <p:sld xmlns:a="http://schemas.openxmlformats.org/drawingml/2006/main" xmlns:r="http://schemas.openxmlformats.org/officeDocument/2006/relationships" xmlns:p="http://schemas.openxmlformats.org/presentationml/2006/main">
   <p:cSld>
     <p:spTree>
@@ -17508,7 +17565,7 @@
             <a:fld id="{00000000-1234-1234-1234-123412341234}" type="slidenum">
               <a:rPr lang="en"/>
               <a:pPr/>
-              <a:t>38</a:t>
+              <a:t>39</a:t>
             </a:fld>
             <a:endParaRPr/>
           </a:p>
@@ -17846,230 +17903,6 @@
 </p:sld>
 </file>
 
-<file path=ppt/slides/slide39.xml><?xml version="1.0" encoding="utf-8"?>
-<p:sld xmlns:a="http://schemas.openxmlformats.org/drawingml/2006/main" xmlns:r="http://schemas.openxmlformats.org/officeDocument/2006/relationships" xmlns:p="http://schemas.openxmlformats.org/presentationml/2006/main">
-  <p:cSld>
-    <p:spTree>
-      <p:nvGrpSpPr>
-        <p:cNvPr id="1" name="Shape 403"/>
-        <p:cNvGrpSpPr/>
-        <p:nvPr/>
-      </p:nvGrpSpPr>
-      <p:grpSpPr>
-        <a:xfrm>
-          <a:off x="0" y="0"/>
-          <a:ext cx="0" cy="0"/>
-          <a:chOff x="0" y="0"/>
-          <a:chExt cx="0" cy="0"/>
-        </a:xfrm>
-      </p:grpSpPr>
-      <p:sp>
-        <p:nvSpPr>
-          <p:cNvPr id="404" name="Google Shape;404;p45"/>
-          <p:cNvSpPr txBox="1">
-            <a:spLocks noGrp="1"/>
-          </p:cNvSpPr>
-          <p:nvPr>
-            <p:ph type="title"/>
-          </p:nvPr>
-        </p:nvSpPr>
-        <p:spPr>
-          <a:xfrm>
-            <a:off x="415600" y="593367"/>
-            <a:ext cx="11360800" cy="763600"/>
-          </a:xfrm>
-          <a:prstGeom prst="rect">
-            <a:avLst/>
-          </a:prstGeom>
-        </p:spPr>
-        <p:txBody>
-          <a:bodyPr spcFirstLastPara="1" vert="horz" wrap="square" lIns="121900" tIns="121900" rIns="121900" bIns="121900" rtlCol="0" anchor="t" anchorCtr="0">
-            <a:normAutofit/>
-          </a:bodyPr>
-          <a:lstStyle/>
-          <a:p>
-            <a:pPr>
-              <a:buSzPts val="990"/>
-            </a:pPr>
-            <a:r>
-              <a:rPr lang="en" sz="3227"/>
-              <a:t>netUnicorn – providing encapsulated environment</a:t>
-            </a:r>
-            <a:endParaRPr sz="3227"/>
-          </a:p>
-        </p:txBody>
-      </p:sp>
-      <p:sp>
-        <p:nvSpPr>
-          <p:cNvPr id="405" name="Google Shape;405;p45"/>
-          <p:cNvSpPr txBox="1">
-            <a:spLocks noGrp="1"/>
-          </p:cNvSpPr>
-          <p:nvPr>
-            <p:ph type="body" idx="1"/>
-          </p:nvPr>
-        </p:nvSpPr>
-        <p:spPr>
-          <a:xfrm>
-            <a:off x="415600" y="1536633"/>
-            <a:ext cx="11360800" cy="4555200"/>
-          </a:xfrm>
-          <a:prstGeom prst="rect">
-            <a:avLst/>
-          </a:prstGeom>
-        </p:spPr>
-        <p:txBody>
-          <a:bodyPr spcFirstLastPara="1" vert="horz" wrap="square" lIns="121900" tIns="121900" rIns="121900" bIns="121900" rtlCol="0" anchor="t" anchorCtr="0">
-            <a:normAutofit/>
-          </a:bodyPr>
-          <a:lstStyle/>
-          <a:p>
-            <a:pPr marL="0" indent="0">
-              <a:buNone/>
-            </a:pPr>
-            <a:r>
-              <a:rPr lang="en"/>
-              <a:t>Docker containers as a virtual environment</a:t>
-            </a:r>
-            <a:endParaRPr/>
-          </a:p>
-          <a:p>
-            <a:pPr>
-              <a:spcBef>
-                <a:spcPts val="1600"/>
-              </a:spcBef>
-              <a:buChar char="-"/>
-            </a:pPr>
-            <a:r>
-              <a:rPr lang="en"/>
-              <a:t>Pipeline encapsulation</a:t>
-            </a:r>
-            <a:endParaRPr/>
-          </a:p>
-          <a:p>
-            <a:pPr lvl="1">
-              <a:buChar char="-"/>
-            </a:pPr>
-            <a:r>
-              <a:rPr lang="en"/>
-              <a:t>Integrated dependencies</a:t>
-            </a:r>
-            <a:endParaRPr/>
-          </a:p>
-          <a:p>
-            <a:pPr lvl="1">
-              <a:buChar char="-"/>
-            </a:pPr>
-            <a:r>
-              <a:rPr lang="en"/>
-              <a:t>Easy cleanup</a:t>
-            </a:r>
-            <a:endParaRPr/>
-          </a:p>
-          <a:p>
-            <a:pPr lvl="1">
-              <a:buChar char="-"/>
-            </a:pPr>
-            <a:r>
-              <a:rPr lang="en"/>
-              <a:t>Reproducible environment</a:t>
-            </a:r>
-            <a:endParaRPr/>
-          </a:p>
-          <a:p>
-            <a:pPr>
-              <a:buChar char="-"/>
-            </a:pPr>
-            <a:r>
-              <a:rPr lang="en"/>
-              <a:t>Hardware protection</a:t>
-            </a:r>
-            <a:endParaRPr/>
-          </a:p>
-          <a:p>
-            <a:pPr lvl="1">
-              <a:buChar char="-"/>
-            </a:pPr>
-            <a:r>
-              <a:rPr lang="en"/>
-              <a:t>No sudo access to the host</a:t>
-            </a:r>
-            <a:endParaRPr/>
-          </a:p>
-          <a:p>
-            <a:pPr lvl="1">
-              <a:buChar char="-"/>
-            </a:pPr>
-            <a:r>
-              <a:rPr lang="en"/>
-              <a:t>No ability to turn on undesirable features</a:t>
-            </a:r>
-            <a:endParaRPr/>
-          </a:p>
-          <a:p>
-            <a:pPr lvl="2">
-              <a:buChar char="-"/>
-            </a:pPr>
-            <a:r>
-              <a:rPr lang="en"/>
-              <a:t>E.g. Wi-Fi promiscuous mode</a:t>
-            </a:r>
-            <a:endParaRPr/>
-          </a:p>
-          <a:p>
-            <a:pPr lvl="1">
-              <a:buChar char="-"/>
-            </a:pPr>
-            <a:r>
-              <a:rPr lang="en"/>
-              <a:t>Possible resources constraints</a:t>
-            </a:r>
-            <a:endParaRPr/>
-          </a:p>
-        </p:txBody>
-      </p:sp>
-      <p:sp>
-        <p:nvSpPr>
-          <p:cNvPr id="406" name="Google Shape;406;p45"/>
-          <p:cNvSpPr txBox="1">
-            <a:spLocks noGrp="1"/>
-          </p:cNvSpPr>
-          <p:nvPr>
-            <p:ph type="sldNum" idx="12"/>
-          </p:nvPr>
-        </p:nvSpPr>
-        <p:spPr>
-          <a:xfrm>
-            <a:off x="11296611" y="6217623"/>
-            <a:ext cx="731600" cy="524800"/>
-          </a:xfrm>
-          <a:prstGeom prst="rect">
-            <a:avLst/>
-          </a:prstGeom>
-        </p:spPr>
-        <p:txBody>
-          <a:bodyPr spcFirstLastPara="1" vert="horz" wrap="square" lIns="121900" tIns="121900" rIns="121900" bIns="121900" rtlCol="0" anchor="ctr" anchorCtr="0">
-            <a:normAutofit/>
-          </a:bodyPr>
-          <a:lstStyle/>
-          <a:p>
-            <a:fld id="{00000000-1234-1234-1234-123412341234}" type="slidenum">
-              <a:rPr lang="en"/>
-              <a:pPr/>
-              <a:t>39</a:t>
-            </a:fld>
-            <a:endParaRPr/>
-          </a:p>
-        </p:txBody>
-      </p:sp>
-    </p:spTree>
-  </p:cSld>
-  <p:clrMapOvr>
-    <a:masterClrMapping/>
-  </p:clrMapOvr>
-</p:sld>
-</file>
-
 <file path=ppt/slides/slide4.xml><?xml version="1.0" encoding="utf-8"?>
 <p:sld xmlns:a="http://schemas.openxmlformats.org/drawingml/2006/main" xmlns:r="http://schemas.openxmlformats.org/officeDocument/2006/relationships" xmlns:p="http://schemas.openxmlformats.org/presentationml/2006/main">
   <p:cSld>
@@ -18137,7 +17970,7 @@
           </a:ln>
           <a:extLst>
             <a:ext uri="{C572A759-6A51-4108-AA02-DFA0A04FC94B}">
-              <ma14:wrappingTextBoxFlag xmlns="" xmlns:m="http://schemas.openxmlformats.org/officeDocument/2006/math" xmlns:a14="http://schemas.microsoft.com/office/drawing/2010/main" xmlns:ma14="http://schemas.microsoft.com/office/mac/drawingml/2011/main" val="1"/>
+              <ma14:wrappingTextBoxFlag xmlns:ma14="http://schemas.microsoft.com/office/mac/drawingml/2011/main" xmlns:a14="http://schemas.microsoft.com/office/drawing/2010/main" xmlns:m="http://schemas.openxmlformats.org/officeDocument/2006/math" xmlns="" val="1"/>
             </a:ext>
           </a:extLst>
         </p:spPr>
@@ -18607,7 +18440,7 @@
           </a:ln>
           <a:extLst>
             <a:ext uri="{C572A759-6A51-4108-AA02-DFA0A04FC94B}">
-              <ma14:wrappingTextBoxFlag xmlns="" xmlns:m="http://schemas.openxmlformats.org/officeDocument/2006/math" xmlns:a14="http://schemas.microsoft.com/office/drawing/2010/main" xmlns:ma14="http://schemas.microsoft.com/office/mac/drawingml/2011/main" val="1"/>
+              <ma14:wrappingTextBoxFlag xmlns:ma14="http://schemas.microsoft.com/office/mac/drawingml/2011/main" xmlns:a14="http://schemas.microsoft.com/office/drawing/2010/main" xmlns:m="http://schemas.openxmlformats.org/officeDocument/2006/math" xmlns="" val="1"/>
             </a:ext>
           </a:extLst>
         </p:spPr>
@@ -18655,7 +18488,7 @@
           </a:ln>
           <a:extLst>
             <a:ext uri="{C572A759-6A51-4108-AA02-DFA0A04FC94B}">
-              <ma14:wrappingTextBoxFlag xmlns="" xmlns:m="http://schemas.openxmlformats.org/officeDocument/2006/math" xmlns:a14="http://schemas.microsoft.com/office/drawing/2010/main" xmlns:ma14="http://schemas.microsoft.com/office/mac/drawingml/2011/main" val="1"/>
+              <ma14:wrappingTextBoxFlag xmlns:ma14="http://schemas.microsoft.com/office/mac/drawingml/2011/main" xmlns:a14="http://schemas.microsoft.com/office/drawing/2010/main" xmlns:m="http://schemas.openxmlformats.org/officeDocument/2006/math" xmlns="" val="1"/>
             </a:ext>
           </a:extLst>
         </p:spPr>
@@ -18703,7 +18536,7 @@
           </a:ln>
           <a:extLst>
             <a:ext uri="{C572A759-6A51-4108-AA02-DFA0A04FC94B}">
-              <ma14:wrappingTextBoxFlag xmlns="" xmlns:m="http://schemas.openxmlformats.org/officeDocument/2006/math" xmlns:a14="http://schemas.microsoft.com/office/drawing/2010/main" xmlns:ma14="http://schemas.microsoft.com/office/mac/drawingml/2011/main" val="1"/>
+              <ma14:wrappingTextBoxFlag xmlns:ma14="http://schemas.microsoft.com/office/mac/drawingml/2011/main" xmlns:a14="http://schemas.microsoft.com/office/drawing/2010/main" xmlns:m="http://schemas.openxmlformats.org/officeDocument/2006/math" xmlns="" val="1"/>
             </a:ext>
           </a:extLst>
         </p:spPr>
@@ -18751,7 +18584,7 @@
           </a:ln>
           <a:extLst>
             <a:ext uri="{C572A759-6A51-4108-AA02-DFA0A04FC94B}">
-              <ma14:wrappingTextBoxFlag xmlns="" xmlns:m="http://schemas.openxmlformats.org/officeDocument/2006/math" xmlns:a14="http://schemas.microsoft.com/office/drawing/2010/main" xmlns:ma14="http://schemas.microsoft.com/office/mac/drawingml/2011/main" val="1"/>
+              <ma14:wrappingTextBoxFlag xmlns:ma14="http://schemas.microsoft.com/office/mac/drawingml/2011/main" xmlns:a14="http://schemas.microsoft.com/office/drawing/2010/main" xmlns:m="http://schemas.openxmlformats.org/officeDocument/2006/math" xmlns="" val="1"/>
             </a:ext>
           </a:extLst>
         </p:spPr>
@@ -18799,7 +18632,7 @@
           </a:ln>
           <a:extLst>
             <a:ext uri="{C572A759-6A51-4108-AA02-DFA0A04FC94B}">
-              <ma14:wrappingTextBoxFlag xmlns="" xmlns:m="http://schemas.openxmlformats.org/officeDocument/2006/math" xmlns:a14="http://schemas.microsoft.com/office/drawing/2010/main" xmlns:ma14="http://schemas.microsoft.com/office/mac/drawingml/2011/main" val="1"/>
+              <ma14:wrappingTextBoxFlag xmlns:ma14="http://schemas.microsoft.com/office/mac/drawingml/2011/main" xmlns:a14="http://schemas.microsoft.com/office/drawing/2010/main" xmlns:m="http://schemas.openxmlformats.org/officeDocument/2006/math" xmlns="" val="1"/>
             </a:ext>
           </a:extLst>
         </p:spPr>
@@ -19057,7 +18890,7 @@
           </a:ln>
           <a:extLst>
             <a:ext uri="{C572A759-6A51-4108-AA02-DFA0A04FC94B}">
-              <ma14:wrappingTextBoxFlag xmlns="" xmlns:m="http://schemas.openxmlformats.org/officeDocument/2006/math" xmlns:a14="http://schemas.microsoft.com/office/drawing/2010/main" xmlns:ma14="http://schemas.microsoft.com/office/mac/drawingml/2011/main" val="1"/>
+              <ma14:wrappingTextBoxFlag xmlns:ma14="http://schemas.microsoft.com/office/mac/drawingml/2011/main" xmlns:a14="http://schemas.microsoft.com/office/drawing/2010/main" xmlns:m="http://schemas.openxmlformats.org/officeDocument/2006/math" xmlns="" val="1"/>
             </a:ext>
           </a:extLst>
         </p:spPr>
@@ -19087,6 +18920,230 @@
 </file>
 
 <file path=ppt/slides/slide40.xml><?xml version="1.0" encoding="utf-8"?>
+<p:sld xmlns:a="http://schemas.openxmlformats.org/drawingml/2006/main" xmlns:r="http://schemas.openxmlformats.org/officeDocument/2006/relationships" xmlns:p="http://schemas.openxmlformats.org/presentationml/2006/main">
+  <p:cSld>
+    <p:spTree>
+      <p:nvGrpSpPr>
+        <p:cNvPr id="1" name="Shape 403"/>
+        <p:cNvGrpSpPr/>
+        <p:nvPr/>
+      </p:nvGrpSpPr>
+      <p:grpSpPr>
+        <a:xfrm>
+          <a:off x="0" y="0"/>
+          <a:ext cx="0" cy="0"/>
+          <a:chOff x="0" y="0"/>
+          <a:chExt cx="0" cy="0"/>
+        </a:xfrm>
+      </p:grpSpPr>
+      <p:sp>
+        <p:nvSpPr>
+          <p:cNvPr id="404" name="Google Shape;404;p45"/>
+          <p:cNvSpPr txBox="1">
+            <a:spLocks noGrp="1"/>
+          </p:cNvSpPr>
+          <p:nvPr>
+            <p:ph type="title"/>
+          </p:nvPr>
+        </p:nvSpPr>
+        <p:spPr>
+          <a:xfrm>
+            <a:off x="415600" y="593367"/>
+            <a:ext cx="11360800" cy="763600"/>
+          </a:xfrm>
+          <a:prstGeom prst="rect">
+            <a:avLst/>
+          </a:prstGeom>
+        </p:spPr>
+        <p:txBody>
+          <a:bodyPr spcFirstLastPara="1" vert="horz" wrap="square" lIns="121900" tIns="121900" rIns="121900" bIns="121900" rtlCol="0" anchor="t" anchorCtr="0">
+            <a:normAutofit/>
+          </a:bodyPr>
+          <a:lstStyle/>
+          <a:p>
+            <a:pPr>
+              <a:buSzPts val="990"/>
+            </a:pPr>
+            <a:r>
+              <a:rPr lang="en" sz="3227"/>
+              <a:t>netUnicorn – providing encapsulated environment</a:t>
+            </a:r>
+            <a:endParaRPr sz="3227"/>
+          </a:p>
+        </p:txBody>
+      </p:sp>
+      <p:sp>
+        <p:nvSpPr>
+          <p:cNvPr id="405" name="Google Shape;405;p45"/>
+          <p:cNvSpPr txBox="1">
+            <a:spLocks noGrp="1"/>
+          </p:cNvSpPr>
+          <p:nvPr>
+            <p:ph type="body" idx="1"/>
+          </p:nvPr>
+        </p:nvSpPr>
+        <p:spPr>
+          <a:xfrm>
+            <a:off x="415600" y="1536633"/>
+            <a:ext cx="11360800" cy="4555200"/>
+          </a:xfrm>
+          <a:prstGeom prst="rect">
+            <a:avLst/>
+          </a:prstGeom>
+        </p:spPr>
+        <p:txBody>
+          <a:bodyPr spcFirstLastPara="1" vert="horz" wrap="square" lIns="121900" tIns="121900" rIns="121900" bIns="121900" rtlCol="0" anchor="t" anchorCtr="0">
+            <a:normAutofit/>
+          </a:bodyPr>
+          <a:lstStyle/>
+          <a:p>
+            <a:pPr marL="0" indent="0">
+              <a:buNone/>
+            </a:pPr>
+            <a:r>
+              <a:rPr lang="en"/>
+              <a:t>Docker containers as a virtual environment</a:t>
+            </a:r>
+            <a:endParaRPr/>
+          </a:p>
+          <a:p>
+            <a:pPr>
+              <a:spcBef>
+                <a:spcPts val="1600"/>
+              </a:spcBef>
+              <a:buChar char="-"/>
+            </a:pPr>
+            <a:r>
+              <a:rPr lang="en"/>
+              <a:t>Pipeline encapsulation</a:t>
+            </a:r>
+            <a:endParaRPr/>
+          </a:p>
+          <a:p>
+            <a:pPr lvl="1">
+              <a:buChar char="-"/>
+            </a:pPr>
+            <a:r>
+              <a:rPr lang="en"/>
+              <a:t>Integrated dependencies</a:t>
+            </a:r>
+            <a:endParaRPr/>
+          </a:p>
+          <a:p>
+            <a:pPr lvl="1">
+              <a:buChar char="-"/>
+            </a:pPr>
+            <a:r>
+              <a:rPr lang="en"/>
+              <a:t>Easy cleanup</a:t>
+            </a:r>
+            <a:endParaRPr/>
+          </a:p>
+          <a:p>
+            <a:pPr lvl="1">
+              <a:buChar char="-"/>
+            </a:pPr>
+            <a:r>
+              <a:rPr lang="en"/>
+              <a:t>Reproducible environment</a:t>
+            </a:r>
+            <a:endParaRPr/>
+          </a:p>
+          <a:p>
+            <a:pPr>
+              <a:buChar char="-"/>
+            </a:pPr>
+            <a:r>
+              <a:rPr lang="en"/>
+              <a:t>Hardware protection</a:t>
+            </a:r>
+            <a:endParaRPr/>
+          </a:p>
+          <a:p>
+            <a:pPr lvl="1">
+              <a:buChar char="-"/>
+            </a:pPr>
+            <a:r>
+              <a:rPr lang="en"/>
+              <a:t>No sudo access to the host</a:t>
+            </a:r>
+            <a:endParaRPr/>
+          </a:p>
+          <a:p>
+            <a:pPr lvl="1">
+              <a:buChar char="-"/>
+            </a:pPr>
+            <a:r>
+              <a:rPr lang="en"/>
+              <a:t>No ability to turn on undesirable features</a:t>
+            </a:r>
+            <a:endParaRPr/>
+          </a:p>
+          <a:p>
+            <a:pPr lvl="2">
+              <a:buChar char="-"/>
+            </a:pPr>
+            <a:r>
+              <a:rPr lang="en"/>
+              <a:t>E.g. Wi-Fi promiscuous mode</a:t>
+            </a:r>
+            <a:endParaRPr/>
+          </a:p>
+          <a:p>
+            <a:pPr lvl="1">
+              <a:buChar char="-"/>
+            </a:pPr>
+            <a:r>
+              <a:rPr lang="en"/>
+              <a:t>Possible resources constraints</a:t>
+            </a:r>
+            <a:endParaRPr/>
+          </a:p>
+        </p:txBody>
+      </p:sp>
+      <p:sp>
+        <p:nvSpPr>
+          <p:cNvPr id="406" name="Google Shape;406;p45"/>
+          <p:cNvSpPr txBox="1">
+            <a:spLocks noGrp="1"/>
+          </p:cNvSpPr>
+          <p:nvPr>
+            <p:ph type="sldNum" idx="12"/>
+          </p:nvPr>
+        </p:nvSpPr>
+        <p:spPr>
+          <a:xfrm>
+            <a:off x="11296611" y="6217623"/>
+            <a:ext cx="731600" cy="524800"/>
+          </a:xfrm>
+          <a:prstGeom prst="rect">
+            <a:avLst/>
+          </a:prstGeom>
+        </p:spPr>
+        <p:txBody>
+          <a:bodyPr spcFirstLastPara="1" vert="horz" wrap="square" lIns="121900" tIns="121900" rIns="121900" bIns="121900" rtlCol="0" anchor="ctr" anchorCtr="0">
+            <a:normAutofit/>
+          </a:bodyPr>
+          <a:lstStyle/>
+          <a:p>
+            <a:fld id="{00000000-1234-1234-1234-123412341234}" type="slidenum">
+              <a:rPr lang="en"/>
+              <a:pPr/>
+              <a:t>40</a:t>
+            </a:fld>
+            <a:endParaRPr/>
+          </a:p>
+        </p:txBody>
+      </p:sp>
+    </p:spTree>
+  </p:cSld>
+  <p:clrMapOvr>
+    <a:masterClrMapping/>
+  </p:clrMapOvr>
+</p:sld>
+</file>
+
+<file path=ppt/slides/slide41.xml><?xml version="1.0" encoding="utf-8"?>
 <p:sld xmlns:a="http://schemas.openxmlformats.org/drawingml/2006/main" xmlns:r="http://schemas.openxmlformats.org/officeDocument/2006/relationships" xmlns:p="http://schemas.openxmlformats.org/presentationml/2006/main">
   <p:cSld>
     <p:spTree>
@@ -19276,7 +19333,7 @@
             <a:fld id="{00000000-1234-1234-1234-123412341234}" type="slidenum">
               <a:rPr lang="en"/>
               <a:pPr/>
-              <a:t>40</a:t>
+              <a:t>41</a:t>
             </a:fld>
             <a:endParaRPr/>
           </a:p>
@@ -19318,7 +19375,7 @@
 </p:sld>
 </file>
 
-<file path=ppt/slides/slide41.xml><?xml version="1.0" encoding="utf-8"?>
+<file path=ppt/slides/slide42.xml><?xml version="1.0" encoding="utf-8"?>
 <p:sld xmlns:a="http://schemas.openxmlformats.org/drawingml/2006/main" xmlns:r="http://schemas.openxmlformats.org/officeDocument/2006/relationships" xmlns:p="http://schemas.openxmlformats.org/presentationml/2006/main">
   <p:cSld>
     <p:spTree>
@@ -19521,7 +19578,7 @@
             <a:fld id="{00000000-1234-1234-1234-123412341234}" type="slidenum">
               <a:rPr lang="en"/>
               <a:pPr/>
-              <a:t>41</a:t>
+              <a:t>42</a:t>
             </a:fld>
             <a:endParaRPr/>
           </a:p>
@@ -19535,7 +19592,7 @@
 </p:sld>
 </file>
 
-<file path=ppt/slides/slide42.xml><?xml version="1.0" encoding="utf-8"?>
+<file path=ppt/slides/slide43.xml><?xml version="1.0" encoding="utf-8"?>
 <p:sld xmlns:a="http://schemas.openxmlformats.org/drawingml/2006/main" xmlns:r="http://schemas.openxmlformats.org/officeDocument/2006/relationships" xmlns:p="http://schemas.openxmlformats.org/presentationml/2006/main">
   <p:cSld>
     <p:spTree>
@@ -19742,7 +19799,7 @@
             <a:fld id="{00000000-1234-1234-1234-123412341234}" type="slidenum">
               <a:rPr lang="en"/>
               <a:pPr/>
-              <a:t>42</a:t>
+              <a:t>43</a:t>
             </a:fld>
             <a:endParaRPr/>
           </a:p>
@@ -19823,7 +19880,7 @@
           </a:ln>
           <a:extLst>
             <a:ext uri="{C572A759-6A51-4108-AA02-DFA0A04FC94B}">
-              <ma14:wrappingTextBoxFlag xmlns="" xmlns:m="http://schemas.openxmlformats.org/officeDocument/2006/math" xmlns:a14="http://schemas.microsoft.com/office/drawing/2010/main" xmlns:ma14="http://schemas.microsoft.com/office/mac/drawingml/2011/main" val="1"/>
+              <ma14:wrappingTextBoxFlag xmlns:ma14="http://schemas.microsoft.com/office/mac/drawingml/2011/main" xmlns:a14="http://schemas.microsoft.com/office/drawing/2010/main" xmlns:m="http://schemas.openxmlformats.org/officeDocument/2006/math" xmlns="" val="1"/>
             </a:ext>
           </a:extLst>
         </p:spPr>
@@ -20293,7 +20350,7 @@
           </a:ln>
           <a:extLst>
             <a:ext uri="{C572A759-6A51-4108-AA02-DFA0A04FC94B}">
-              <ma14:wrappingTextBoxFlag xmlns="" xmlns:m="http://schemas.openxmlformats.org/officeDocument/2006/math" xmlns:a14="http://schemas.microsoft.com/office/drawing/2010/main" xmlns:ma14="http://schemas.microsoft.com/office/mac/drawingml/2011/main" val="1"/>
+              <ma14:wrappingTextBoxFlag xmlns:ma14="http://schemas.microsoft.com/office/mac/drawingml/2011/main" xmlns:a14="http://schemas.microsoft.com/office/drawing/2010/main" xmlns:m="http://schemas.openxmlformats.org/officeDocument/2006/math" xmlns="" val="1"/>
             </a:ext>
           </a:extLst>
         </p:spPr>
@@ -20341,7 +20398,7 @@
           </a:ln>
           <a:extLst>
             <a:ext uri="{C572A759-6A51-4108-AA02-DFA0A04FC94B}">
-              <ma14:wrappingTextBoxFlag xmlns="" xmlns:m="http://schemas.openxmlformats.org/officeDocument/2006/math" xmlns:a14="http://schemas.microsoft.com/office/drawing/2010/main" xmlns:ma14="http://schemas.microsoft.com/office/mac/drawingml/2011/main" val="1"/>
+              <ma14:wrappingTextBoxFlag xmlns:ma14="http://schemas.microsoft.com/office/mac/drawingml/2011/main" xmlns:a14="http://schemas.microsoft.com/office/drawing/2010/main" xmlns:m="http://schemas.openxmlformats.org/officeDocument/2006/math" xmlns="" val="1"/>
             </a:ext>
           </a:extLst>
         </p:spPr>
@@ -20389,7 +20446,7 @@
           </a:ln>
           <a:extLst>
             <a:ext uri="{C572A759-6A51-4108-AA02-DFA0A04FC94B}">
-              <ma14:wrappingTextBoxFlag xmlns="" xmlns:m="http://schemas.openxmlformats.org/officeDocument/2006/math" xmlns:a14="http://schemas.microsoft.com/office/drawing/2010/main" xmlns:ma14="http://schemas.microsoft.com/office/mac/drawingml/2011/main" val="1"/>
+              <ma14:wrappingTextBoxFlag xmlns:ma14="http://schemas.microsoft.com/office/mac/drawingml/2011/main" xmlns:a14="http://schemas.microsoft.com/office/drawing/2010/main" xmlns:m="http://schemas.openxmlformats.org/officeDocument/2006/math" xmlns="" val="1"/>
             </a:ext>
           </a:extLst>
         </p:spPr>
@@ -20437,7 +20494,7 @@
           </a:ln>
           <a:extLst>
             <a:ext uri="{C572A759-6A51-4108-AA02-DFA0A04FC94B}">
-              <ma14:wrappingTextBoxFlag xmlns="" xmlns:m="http://schemas.openxmlformats.org/officeDocument/2006/math" xmlns:a14="http://schemas.microsoft.com/office/drawing/2010/main" xmlns:ma14="http://schemas.microsoft.com/office/mac/drawingml/2011/main" val="1"/>
+              <ma14:wrappingTextBoxFlag xmlns:ma14="http://schemas.microsoft.com/office/mac/drawingml/2011/main" xmlns:a14="http://schemas.microsoft.com/office/drawing/2010/main" xmlns:m="http://schemas.openxmlformats.org/officeDocument/2006/math" xmlns="" val="1"/>
             </a:ext>
           </a:extLst>
         </p:spPr>
@@ -20485,7 +20542,7 @@
           </a:ln>
           <a:extLst>
             <a:ext uri="{C572A759-6A51-4108-AA02-DFA0A04FC94B}">
-              <ma14:wrappingTextBoxFlag xmlns="" xmlns:m="http://schemas.openxmlformats.org/officeDocument/2006/math" xmlns:a14="http://schemas.microsoft.com/office/drawing/2010/main" xmlns:ma14="http://schemas.microsoft.com/office/mac/drawingml/2011/main" val="1"/>
+              <ma14:wrappingTextBoxFlag xmlns:ma14="http://schemas.microsoft.com/office/mac/drawingml/2011/main" xmlns:a14="http://schemas.microsoft.com/office/drawing/2010/main" xmlns:m="http://schemas.openxmlformats.org/officeDocument/2006/math" xmlns="" val="1"/>
             </a:ext>
           </a:extLst>
         </p:spPr>
@@ -20743,7 +20800,7 @@
           </a:ln>
           <a:extLst>
             <a:ext uri="{C572A759-6A51-4108-AA02-DFA0A04FC94B}">
-              <ma14:wrappingTextBoxFlag xmlns="" xmlns:m="http://schemas.openxmlformats.org/officeDocument/2006/math" xmlns:a14="http://schemas.microsoft.com/office/drawing/2010/main" xmlns:ma14="http://schemas.microsoft.com/office/mac/drawingml/2011/main" val="1"/>
+              <ma14:wrappingTextBoxFlag xmlns:ma14="http://schemas.microsoft.com/office/mac/drawingml/2011/main" xmlns:a14="http://schemas.microsoft.com/office/drawing/2010/main" xmlns:m="http://schemas.openxmlformats.org/officeDocument/2006/math" xmlns="" val="1"/>
             </a:ext>
           </a:extLst>
         </p:spPr>
@@ -20847,7 +20904,7 @@
           </a:ln>
           <a:extLst>
             <a:ext uri="{C572A759-6A51-4108-AA02-DFA0A04FC94B}">
-              <ma14:wrappingTextBoxFlag xmlns="" xmlns:m="http://schemas.openxmlformats.org/officeDocument/2006/math" xmlns:a14="http://schemas.microsoft.com/office/drawing/2010/main" xmlns:ma14="http://schemas.microsoft.com/office/mac/drawingml/2011/main" val="1"/>
+              <ma14:wrappingTextBoxFlag xmlns:ma14="http://schemas.microsoft.com/office/mac/drawingml/2011/main" xmlns:a14="http://schemas.microsoft.com/office/drawing/2010/main" xmlns:m="http://schemas.openxmlformats.org/officeDocument/2006/math" xmlns="" val="1"/>
             </a:ext>
           </a:extLst>
         </p:spPr>
@@ -21290,7 +21347,7 @@
           </a:ln>
           <a:extLst>
             <a:ext uri="{C572A759-6A51-4108-AA02-DFA0A04FC94B}">
-              <ma14:wrappingTextBoxFlag xmlns="" xmlns:m="http://schemas.openxmlformats.org/officeDocument/2006/math" xmlns:a14="http://schemas.microsoft.com/office/drawing/2010/main" xmlns:ma14="http://schemas.microsoft.com/office/mac/drawingml/2011/main" val="1"/>
+              <ma14:wrappingTextBoxFlag xmlns:ma14="http://schemas.microsoft.com/office/mac/drawingml/2011/main" xmlns:a14="http://schemas.microsoft.com/office/drawing/2010/main" xmlns:m="http://schemas.openxmlformats.org/officeDocument/2006/math" xmlns="" val="1"/>
             </a:ext>
           </a:extLst>
         </p:spPr>
@@ -21338,7 +21395,7 @@
           </a:ln>
           <a:extLst>
             <a:ext uri="{C572A759-6A51-4108-AA02-DFA0A04FC94B}">
-              <ma14:wrappingTextBoxFlag xmlns="" xmlns:m="http://schemas.openxmlformats.org/officeDocument/2006/math" xmlns:a14="http://schemas.microsoft.com/office/drawing/2010/main" xmlns:ma14="http://schemas.microsoft.com/office/mac/drawingml/2011/main" val="1"/>
+              <ma14:wrappingTextBoxFlag xmlns:ma14="http://schemas.microsoft.com/office/mac/drawingml/2011/main" xmlns:a14="http://schemas.microsoft.com/office/drawing/2010/main" xmlns:m="http://schemas.openxmlformats.org/officeDocument/2006/math" xmlns="" val="1"/>
             </a:ext>
           </a:extLst>
         </p:spPr>
@@ -21386,7 +21443,7 @@
           </a:ln>
           <a:extLst>
             <a:ext uri="{C572A759-6A51-4108-AA02-DFA0A04FC94B}">
-              <ma14:wrappingTextBoxFlag xmlns="" xmlns:m="http://schemas.openxmlformats.org/officeDocument/2006/math" xmlns:a14="http://schemas.microsoft.com/office/drawing/2010/main" xmlns:ma14="http://schemas.microsoft.com/office/mac/drawingml/2011/main" val="1"/>
+              <ma14:wrappingTextBoxFlag xmlns:ma14="http://schemas.microsoft.com/office/mac/drawingml/2011/main" xmlns:a14="http://schemas.microsoft.com/office/drawing/2010/main" xmlns:m="http://schemas.openxmlformats.org/officeDocument/2006/math" xmlns="" val="1"/>
             </a:ext>
           </a:extLst>
         </p:spPr>
@@ -21434,7 +21491,7 @@
           </a:ln>
           <a:extLst>
             <a:ext uri="{C572A759-6A51-4108-AA02-DFA0A04FC94B}">
-              <ma14:wrappingTextBoxFlag xmlns="" xmlns:m="http://schemas.openxmlformats.org/officeDocument/2006/math" xmlns:a14="http://schemas.microsoft.com/office/drawing/2010/main" xmlns:ma14="http://schemas.microsoft.com/office/mac/drawingml/2011/main" val="1"/>
+              <ma14:wrappingTextBoxFlag xmlns:ma14="http://schemas.microsoft.com/office/mac/drawingml/2011/main" xmlns:a14="http://schemas.microsoft.com/office/drawing/2010/main" xmlns:m="http://schemas.openxmlformats.org/officeDocument/2006/math" xmlns="" val="1"/>
             </a:ext>
           </a:extLst>
         </p:spPr>
@@ -21599,7 +21656,7 @@
           </a:ln>
           <a:extLst>
             <a:ext uri="{C572A759-6A51-4108-AA02-DFA0A04FC94B}">
-              <ma14:wrappingTextBoxFlag xmlns="" xmlns:m="http://schemas.openxmlformats.org/officeDocument/2006/math" xmlns:a14="http://schemas.microsoft.com/office/drawing/2010/main" xmlns:ma14="http://schemas.microsoft.com/office/mac/drawingml/2011/main" val="1"/>
+              <ma14:wrappingTextBoxFlag xmlns:ma14="http://schemas.microsoft.com/office/mac/drawingml/2011/main" xmlns:a14="http://schemas.microsoft.com/office/drawing/2010/main" xmlns:m="http://schemas.openxmlformats.org/officeDocument/2006/math" xmlns="" val="1"/>
             </a:ext>
           </a:extLst>
         </p:spPr>
@@ -21736,7 +21793,7 @@
           </a:ln>
           <a:extLst>
             <a:ext uri="{C572A759-6A51-4108-AA02-DFA0A04FC94B}">
-              <ma14:wrappingTextBoxFlag xmlns="" xmlns:m="http://schemas.openxmlformats.org/officeDocument/2006/math" xmlns:a14="http://schemas.microsoft.com/office/drawing/2010/main" xmlns:ma14="http://schemas.microsoft.com/office/mac/drawingml/2011/main" val="1"/>
+              <ma14:wrappingTextBoxFlag xmlns:ma14="http://schemas.microsoft.com/office/mac/drawingml/2011/main" xmlns:a14="http://schemas.microsoft.com/office/drawing/2010/main" xmlns:m="http://schemas.openxmlformats.org/officeDocument/2006/math" xmlns="" val="1"/>
             </a:ext>
           </a:extLst>
         </p:spPr>
@@ -22071,7 +22128,7 @@
           </a:ln>
           <a:extLst>
             <a:ext uri="{C572A759-6A51-4108-AA02-DFA0A04FC94B}">
-              <ma14:wrappingTextBoxFlag xmlns="" xmlns:m="http://schemas.openxmlformats.org/officeDocument/2006/math" xmlns:a14="http://schemas.microsoft.com/office/drawing/2010/main" xmlns:ma14="http://schemas.microsoft.com/office/mac/drawingml/2011/main" val="1"/>
+              <ma14:wrappingTextBoxFlag xmlns:ma14="http://schemas.microsoft.com/office/mac/drawingml/2011/main" xmlns:a14="http://schemas.microsoft.com/office/drawing/2010/main" xmlns:m="http://schemas.openxmlformats.org/officeDocument/2006/math" xmlns="" val="1"/>
             </a:ext>
           </a:extLst>
         </p:spPr>
@@ -22119,7 +22176,7 @@
           </a:ln>
           <a:extLst>
             <a:ext uri="{C572A759-6A51-4108-AA02-DFA0A04FC94B}">
-              <ma14:wrappingTextBoxFlag xmlns="" xmlns:m="http://schemas.openxmlformats.org/officeDocument/2006/math" xmlns:a14="http://schemas.microsoft.com/office/drawing/2010/main" xmlns:ma14="http://schemas.microsoft.com/office/mac/drawingml/2011/main" val="1"/>
+              <ma14:wrappingTextBoxFlag xmlns:ma14="http://schemas.microsoft.com/office/mac/drawingml/2011/main" xmlns:a14="http://schemas.microsoft.com/office/drawing/2010/main" xmlns:m="http://schemas.openxmlformats.org/officeDocument/2006/math" xmlns="" val="1"/>
             </a:ext>
           </a:extLst>
         </p:spPr>
@@ -22214,7 +22271,7 @@
           </a:ln>
           <a:extLst>
             <a:ext uri="{C572A759-6A51-4108-AA02-DFA0A04FC94B}">
-              <ma14:wrappingTextBoxFlag xmlns="" xmlns:m="http://schemas.openxmlformats.org/officeDocument/2006/math" xmlns:a14="http://schemas.microsoft.com/office/drawing/2010/main" xmlns:ma14="http://schemas.microsoft.com/office/mac/drawingml/2011/main" val="1"/>
+              <ma14:wrappingTextBoxFlag xmlns:ma14="http://schemas.microsoft.com/office/mac/drawingml/2011/main" xmlns:a14="http://schemas.microsoft.com/office/drawing/2010/main" xmlns:m="http://schemas.openxmlformats.org/officeDocument/2006/math" xmlns="" val="1"/>
             </a:ext>
           </a:extLst>
         </p:spPr>
@@ -22262,7 +22319,7 @@
           </a:ln>
           <a:extLst>
             <a:ext uri="{C572A759-6A51-4108-AA02-DFA0A04FC94B}">
-              <ma14:wrappingTextBoxFlag xmlns="" xmlns:m="http://schemas.openxmlformats.org/officeDocument/2006/math" xmlns:a14="http://schemas.microsoft.com/office/drawing/2010/main" xmlns:ma14="http://schemas.microsoft.com/office/mac/drawingml/2011/main" val="1"/>
+              <ma14:wrappingTextBoxFlag xmlns:ma14="http://schemas.microsoft.com/office/mac/drawingml/2011/main" xmlns:a14="http://schemas.microsoft.com/office/drawing/2010/main" xmlns:m="http://schemas.openxmlformats.org/officeDocument/2006/math" xmlns="" val="1"/>
             </a:ext>
           </a:extLst>
         </p:spPr>
@@ -22399,7 +22456,7 @@
           </a:ln>
           <a:extLst>
             <a:ext uri="{C572A759-6A51-4108-AA02-DFA0A04FC94B}">
-              <ma14:wrappingTextBoxFlag xmlns="" xmlns:m="http://schemas.openxmlformats.org/officeDocument/2006/math" xmlns:a14="http://schemas.microsoft.com/office/drawing/2010/main" xmlns:ma14="http://schemas.microsoft.com/office/mac/drawingml/2011/main" val="1"/>
+              <ma14:wrappingTextBoxFlag xmlns:ma14="http://schemas.microsoft.com/office/mac/drawingml/2011/main" xmlns:a14="http://schemas.microsoft.com/office/drawing/2010/main" xmlns:m="http://schemas.openxmlformats.org/officeDocument/2006/math" xmlns="" val="1"/>
             </a:ext>
           </a:extLst>
         </p:spPr>
@@ -22439,7 +22496,7 @@
           </a:ln>
           <a:extLst>
             <a:ext uri="{C572A759-6A51-4108-AA02-DFA0A04FC94B}">
-              <ma14:wrappingTextBoxFlag xmlns="" xmlns:m="http://schemas.openxmlformats.org/officeDocument/2006/math" xmlns:a14="http://schemas.microsoft.com/office/drawing/2010/main" xmlns:ma14="http://schemas.microsoft.com/office/mac/drawingml/2011/main" val="1"/>
+              <ma14:wrappingTextBoxFlag xmlns:ma14="http://schemas.microsoft.com/office/mac/drawingml/2011/main" xmlns:a14="http://schemas.microsoft.com/office/drawing/2010/main" xmlns:m="http://schemas.openxmlformats.org/officeDocument/2006/math" xmlns="" val="1"/>
             </a:ext>
           </a:extLst>
         </p:spPr>
@@ -22606,7 +22663,7 @@
           </a:ln>
           <a:extLst>
             <a:ext uri="{C572A759-6A51-4108-AA02-DFA0A04FC94B}">
-              <ma14:wrappingTextBoxFlag xmlns="" xmlns:m="http://schemas.openxmlformats.org/officeDocument/2006/math" xmlns:a14="http://schemas.microsoft.com/office/drawing/2010/main" xmlns:ma14="http://schemas.microsoft.com/office/mac/drawingml/2011/main" val="1"/>
+              <ma14:wrappingTextBoxFlag xmlns:ma14="http://schemas.microsoft.com/office/mac/drawingml/2011/main" xmlns:a14="http://schemas.microsoft.com/office/drawing/2010/main" xmlns:m="http://schemas.openxmlformats.org/officeDocument/2006/math" xmlns="" val="1"/>
             </a:ext>
           </a:extLst>
         </p:spPr>
@@ -22646,7 +22703,7 @@
           </a:ln>
           <a:extLst>
             <a:ext uri="{C572A759-6A51-4108-AA02-DFA0A04FC94B}">
-              <ma14:wrappingTextBoxFlag xmlns="" xmlns:m="http://schemas.openxmlformats.org/officeDocument/2006/math" xmlns:a14="http://schemas.microsoft.com/office/drawing/2010/main" xmlns:ma14="http://schemas.microsoft.com/office/mac/drawingml/2011/main" val="1"/>
+              <ma14:wrappingTextBoxFlag xmlns:ma14="http://schemas.microsoft.com/office/mac/drawingml/2011/main" xmlns:a14="http://schemas.microsoft.com/office/drawing/2010/main" xmlns:m="http://schemas.openxmlformats.org/officeDocument/2006/math" xmlns="" val="1"/>
             </a:ext>
           </a:extLst>
         </p:spPr>
@@ -22686,7 +22743,7 @@
           </a:ln>
           <a:extLst>
             <a:ext uri="{C572A759-6A51-4108-AA02-DFA0A04FC94B}">
-              <ma14:wrappingTextBoxFlag xmlns="" xmlns:m="http://schemas.openxmlformats.org/officeDocument/2006/math" xmlns:a14="http://schemas.microsoft.com/office/drawing/2010/main" xmlns:ma14="http://schemas.microsoft.com/office/mac/drawingml/2011/main" val="1"/>
+              <ma14:wrappingTextBoxFlag xmlns:ma14="http://schemas.microsoft.com/office/mac/drawingml/2011/main" xmlns:a14="http://schemas.microsoft.com/office/drawing/2010/main" xmlns:m="http://schemas.openxmlformats.org/officeDocument/2006/math" xmlns="" val="1"/>
             </a:ext>
           </a:extLst>
         </p:spPr>
@@ -22726,7 +22783,7 @@
           </a:ln>
           <a:extLst>
             <a:ext uri="{C572A759-6A51-4108-AA02-DFA0A04FC94B}">
-              <ma14:wrappingTextBoxFlag xmlns="" xmlns:m="http://schemas.openxmlformats.org/officeDocument/2006/math" xmlns:a14="http://schemas.microsoft.com/office/drawing/2010/main" xmlns:ma14="http://schemas.microsoft.com/office/mac/drawingml/2011/main" val="1"/>
+              <ma14:wrappingTextBoxFlag xmlns:ma14="http://schemas.microsoft.com/office/mac/drawingml/2011/main" xmlns:a14="http://schemas.microsoft.com/office/drawing/2010/main" xmlns:m="http://schemas.openxmlformats.org/officeDocument/2006/math" xmlns="" val="1"/>
             </a:ext>
           </a:extLst>
         </p:spPr>
@@ -22874,7 +22931,7 @@
           </a:ln>
           <a:extLst>
             <a:ext uri="{C572A759-6A51-4108-AA02-DFA0A04FC94B}">
-              <ma14:wrappingTextBoxFlag xmlns="" xmlns:m="http://schemas.openxmlformats.org/officeDocument/2006/math" xmlns:a14="http://schemas.microsoft.com/office/drawing/2010/main" xmlns:ma14="http://schemas.microsoft.com/office/mac/drawingml/2011/main" val="1"/>
+              <ma14:wrappingTextBoxFlag xmlns:ma14="http://schemas.microsoft.com/office/mac/drawingml/2011/main" xmlns:a14="http://schemas.microsoft.com/office/drawing/2010/main" xmlns:m="http://schemas.openxmlformats.org/officeDocument/2006/math" xmlns="" val="1"/>
             </a:ext>
           </a:extLst>
         </p:spPr>
@@ -23011,7 +23068,7 @@
           </a:ln>
           <a:extLst>
             <a:ext uri="{C572A759-6A51-4108-AA02-DFA0A04FC94B}">
-              <ma14:wrappingTextBoxFlag xmlns="" xmlns:m="http://schemas.openxmlformats.org/officeDocument/2006/math" xmlns:a14="http://schemas.microsoft.com/office/drawing/2010/main" xmlns:ma14="http://schemas.microsoft.com/office/mac/drawingml/2011/main" val="1"/>
+              <ma14:wrappingTextBoxFlag xmlns:ma14="http://schemas.microsoft.com/office/mac/drawingml/2011/main" xmlns:a14="http://schemas.microsoft.com/office/drawing/2010/main" xmlns:m="http://schemas.openxmlformats.org/officeDocument/2006/math" xmlns="" val="1"/>
             </a:ext>
           </a:extLst>
         </p:spPr>
@@ -23051,7 +23108,7 @@
           </a:ln>
           <a:extLst>
             <a:ext uri="{C572A759-6A51-4108-AA02-DFA0A04FC94B}">
-              <ma14:wrappingTextBoxFlag xmlns="" xmlns:m="http://schemas.openxmlformats.org/officeDocument/2006/math" xmlns:a14="http://schemas.microsoft.com/office/drawing/2010/main" xmlns:ma14="http://schemas.microsoft.com/office/mac/drawingml/2011/main" val="1"/>
+              <ma14:wrappingTextBoxFlag xmlns:ma14="http://schemas.microsoft.com/office/mac/drawingml/2011/main" xmlns:a14="http://schemas.microsoft.com/office/drawing/2010/main" xmlns:m="http://schemas.openxmlformats.org/officeDocument/2006/math" xmlns="" val="1"/>
             </a:ext>
           </a:extLst>
         </p:spPr>
@@ -23215,7 +23272,7 @@
           </a:ln>
           <a:extLst>
             <a:ext uri="{C572A759-6A51-4108-AA02-DFA0A04FC94B}">
-              <ma14:wrappingTextBoxFlag xmlns="" xmlns:m="http://schemas.openxmlformats.org/officeDocument/2006/math" xmlns:a14="http://schemas.microsoft.com/office/drawing/2010/main" xmlns:ma14="http://schemas.microsoft.com/office/mac/drawingml/2011/main" val="1"/>
+              <ma14:wrappingTextBoxFlag xmlns:ma14="http://schemas.microsoft.com/office/mac/drawingml/2011/main" xmlns:a14="http://schemas.microsoft.com/office/drawing/2010/main" xmlns:m="http://schemas.openxmlformats.org/officeDocument/2006/math" xmlns="" val="1"/>
             </a:ext>
           </a:extLst>
         </p:spPr>
@@ -23255,7 +23312,7 @@
           </a:ln>
           <a:extLst>
             <a:ext uri="{C572A759-6A51-4108-AA02-DFA0A04FC94B}">
-              <ma14:wrappingTextBoxFlag xmlns="" xmlns:m="http://schemas.openxmlformats.org/officeDocument/2006/math" xmlns:a14="http://schemas.microsoft.com/office/drawing/2010/main" xmlns:ma14="http://schemas.microsoft.com/office/mac/drawingml/2011/main" val="1"/>
+              <ma14:wrappingTextBoxFlag xmlns:ma14="http://schemas.microsoft.com/office/mac/drawingml/2011/main" xmlns:a14="http://schemas.microsoft.com/office/drawing/2010/main" xmlns:m="http://schemas.openxmlformats.org/officeDocument/2006/math" xmlns="" val="1"/>
             </a:ext>
           </a:extLst>
         </p:spPr>
@@ -23295,7 +23352,7 @@
           </a:ln>
           <a:extLst>
             <a:ext uri="{C572A759-6A51-4108-AA02-DFA0A04FC94B}">
-              <ma14:wrappingTextBoxFlag xmlns="" xmlns:m="http://schemas.openxmlformats.org/officeDocument/2006/math" xmlns:a14="http://schemas.microsoft.com/office/drawing/2010/main" xmlns:ma14="http://schemas.microsoft.com/office/mac/drawingml/2011/main" val="1"/>
+              <ma14:wrappingTextBoxFlag xmlns:ma14="http://schemas.microsoft.com/office/mac/drawingml/2011/main" xmlns:a14="http://schemas.microsoft.com/office/drawing/2010/main" xmlns:m="http://schemas.openxmlformats.org/officeDocument/2006/math" xmlns="" val="1"/>
             </a:ext>
           </a:extLst>
         </p:spPr>
@@ -23335,7 +23392,7 @@
           </a:ln>
           <a:extLst>
             <a:ext uri="{C572A759-6A51-4108-AA02-DFA0A04FC94B}">
-              <ma14:wrappingTextBoxFlag xmlns="" xmlns:m="http://schemas.openxmlformats.org/officeDocument/2006/math" xmlns:a14="http://schemas.microsoft.com/office/drawing/2010/main" xmlns:ma14="http://schemas.microsoft.com/office/mac/drawingml/2011/main" val="1"/>
+              <ma14:wrappingTextBoxFlag xmlns:ma14="http://schemas.microsoft.com/office/mac/drawingml/2011/main" xmlns:a14="http://schemas.microsoft.com/office/drawing/2010/main" xmlns:m="http://schemas.openxmlformats.org/officeDocument/2006/math" xmlns="" val="1"/>
             </a:ext>
           </a:extLst>
         </p:spPr>
@@ -23483,7 +23540,7 @@
           </a:ln>
           <a:extLst>
             <a:ext uri="{C572A759-6A51-4108-AA02-DFA0A04FC94B}">
-              <ma14:wrappingTextBoxFlag xmlns="" xmlns:m="http://schemas.openxmlformats.org/officeDocument/2006/math" xmlns:a14="http://schemas.microsoft.com/office/drawing/2010/main" xmlns:ma14="http://schemas.microsoft.com/office/mac/drawingml/2011/main" val="1"/>
+              <ma14:wrappingTextBoxFlag xmlns:ma14="http://schemas.microsoft.com/office/mac/drawingml/2011/main" xmlns:a14="http://schemas.microsoft.com/office/drawing/2010/main" xmlns:m="http://schemas.openxmlformats.org/officeDocument/2006/math" xmlns="" val="1"/>
             </a:ext>
           </a:extLst>
         </p:spPr>
@@ -23663,7 +23720,7 @@
           </a:ln>
           <a:extLst>
             <a:ext uri="{C572A759-6A51-4108-AA02-DFA0A04FC94B}">
-              <ma14:wrappingTextBoxFlag xmlns="" xmlns:m="http://schemas.openxmlformats.org/officeDocument/2006/math" xmlns:a14="http://schemas.microsoft.com/office/drawing/2010/main" xmlns:ma14="http://schemas.microsoft.com/office/mac/drawingml/2011/main" val="1"/>
+              <ma14:wrappingTextBoxFlag xmlns:ma14="http://schemas.microsoft.com/office/mac/drawingml/2011/main" xmlns:a14="http://schemas.microsoft.com/office/drawing/2010/main" xmlns:m="http://schemas.openxmlformats.org/officeDocument/2006/math" xmlns="" val="1"/>
             </a:ext>
           </a:extLst>
         </p:spPr>
@@ -23998,7 +24055,7 @@
           </a:ln>
           <a:extLst>
             <a:ext uri="{C572A759-6A51-4108-AA02-DFA0A04FC94B}">
-              <ma14:wrappingTextBoxFlag xmlns="" xmlns:m="http://schemas.openxmlformats.org/officeDocument/2006/math" xmlns:a14="http://schemas.microsoft.com/office/drawing/2010/main" xmlns:ma14="http://schemas.microsoft.com/office/mac/drawingml/2011/main" val="1"/>
+              <ma14:wrappingTextBoxFlag xmlns:ma14="http://schemas.microsoft.com/office/mac/drawingml/2011/main" xmlns:a14="http://schemas.microsoft.com/office/drawing/2010/main" xmlns:m="http://schemas.openxmlformats.org/officeDocument/2006/math" xmlns="" val="1"/>
             </a:ext>
           </a:extLst>
         </p:spPr>
@@ -24168,7 +24225,7 @@
           </a:ln>
           <a:extLst>
             <a:ext uri="{C572A759-6A51-4108-AA02-DFA0A04FC94B}">
-              <ma14:wrappingTextBoxFlag xmlns="" xmlns:m="http://schemas.openxmlformats.org/officeDocument/2006/math" xmlns:a14="http://schemas.microsoft.com/office/drawing/2010/main" xmlns:ma14="http://schemas.microsoft.com/office/mac/drawingml/2011/main" val="1"/>
+              <ma14:wrappingTextBoxFlag xmlns:ma14="http://schemas.microsoft.com/office/mac/drawingml/2011/main" xmlns:a14="http://schemas.microsoft.com/office/drawing/2010/main" xmlns:m="http://schemas.openxmlformats.org/officeDocument/2006/math" xmlns="" val="1"/>
             </a:ext>
           </a:extLst>
         </p:spPr>
@@ -24530,7 +24587,7 @@
           </a:ln>
           <a:extLst>
             <a:ext uri="{C572A759-6A51-4108-AA02-DFA0A04FC94B}">
-              <ma14:wrappingTextBoxFlag xmlns="" xmlns:m="http://schemas.openxmlformats.org/officeDocument/2006/math" xmlns:a14="http://schemas.microsoft.com/office/drawing/2010/main" xmlns:ma14="http://schemas.microsoft.com/office/mac/drawingml/2011/main" val="1"/>
+              <ma14:wrappingTextBoxFlag xmlns:ma14="http://schemas.microsoft.com/office/mac/drawingml/2011/main" xmlns:a14="http://schemas.microsoft.com/office/drawing/2010/main" xmlns:m="http://schemas.openxmlformats.org/officeDocument/2006/math" xmlns="" val="1"/>
             </a:ext>
           </a:extLst>
         </p:spPr>
